--- a/app/data/map/Maps.pptx
+++ b/app/data/map/Maps.pptx
@@ -878,7 +878,7 @@
               <a:t>fil</a:t>
             </a:r>
             <a:r>
-              <a:rPr lang="en-US" smtClean="0"/>
+              <a:rPr lang="en-US" dirty="0" smtClean="0"/>
               <a:t> A</a:t>
             </a:r>
             <a:endParaRPr lang="en-US" dirty="0"/>
@@ -912,6 +912,94 @@
     <p:extLst>
       <p:ext uri="{BB962C8B-B14F-4D97-AF65-F5344CB8AC3E}">
         <p14:creationId xmlns:p14="http://schemas.microsoft.com/office/powerpoint/2010/main" val="1335555195"/>
+      </p:ext>
+    </p:extLst>
+  </p:cSld>
+  <p:clrMapOvr>
+    <a:masterClrMapping/>
+  </p:clrMapOvr>
+</p:notes>
+</file>
+
+<file path=ppt/notesSlides/notesSlide6.xml><?xml version="1.0" encoding="utf-8"?>
+<p:notes xmlns:a="http://schemas.openxmlformats.org/drawingml/2006/main" xmlns:r="http://schemas.openxmlformats.org/officeDocument/2006/relationships" xmlns:p="http://schemas.openxmlformats.org/presentationml/2006/main">
+  <p:cSld>
+    <p:spTree>
+      <p:nvGrpSpPr>
+        <p:cNvPr id="1" name=""/>
+        <p:cNvGrpSpPr/>
+        <p:nvPr/>
+      </p:nvGrpSpPr>
+      <p:grpSpPr>
+        <a:xfrm>
+          <a:off x="0" y="0"/>
+          <a:ext cx="0" cy="0"/>
+          <a:chOff x="0" y="0"/>
+          <a:chExt cx="0" cy="0"/>
+        </a:xfrm>
+      </p:grpSpPr>
+      <p:sp>
+        <p:nvSpPr>
+          <p:cNvPr id="2" name="Slide Image Placeholder 1"/>
+          <p:cNvSpPr>
+            <a:spLocks noGrp="1" noRot="1" noChangeAspect="1"/>
+          </p:cNvSpPr>
+          <p:nvPr>
+            <p:ph type="sldImg"/>
+          </p:nvPr>
+        </p:nvSpPr>
+        <p:spPr/>
+      </p:sp>
+      <p:sp>
+        <p:nvSpPr>
+          <p:cNvPr id="3" name="Notes Placeholder 2"/>
+          <p:cNvSpPr>
+            <a:spLocks noGrp="1"/>
+          </p:cNvSpPr>
+          <p:nvPr>
+            <p:ph type="body" idx="1"/>
+          </p:nvPr>
+        </p:nvSpPr>
+        <p:spPr/>
+        <p:txBody>
+          <a:bodyPr/>
+          <a:lstStyle/>
+          <a:p>
+            <a:r>
+              <a:rPr lang="en-US" dirty="0" smtClean="0"/>
+              <a:t>Section 109 to Twisted Taco</a:t>
+            </a:r>
+            <a:endParaRPr lang="en-US" dirty="0"/>
+          </a:p>
+        </p:txBody>
+      </p:sp>
+      <p:sp>
+        <p:nvSpPr>
+          <p:cNvPr id="4" name="Slide Number Placeholder 3"/>
+          <p:cNvSpPr>
+            <a:spLocks noGrp="1"/>
+          </p:cNvSpPr>
+          <p:nvPr>
+            <p:ph type="sldNum" sz="quarter" idx="10"/>
+          </p:nvPr>
+        </p:nvSpPr>
+        <p:spPr/>
+        <p:txBody>
+          <a:bodyPr/>
+          <a:lstStyle/>
+          <a:p>
+            <a:fld id="{D8B44EB8-2CAF-C34B-BC61-593B836AAB06}" type="slidenum">
+              <a:rPr lang="en-US" smtClean="0"/>
+              <a:t>6</a:t>
+            </a:fld>
+            <a:endParaRPr lang="en-US"/>
+          </a:p>
+        </p:txBody>
+      </p:sp>
+    </p:spTree>
+    <p:extLst>
+      <p:ext uri="{BB962C8B-B14F-4D97-AF65-F5344CB8AC3E}">
+        <p14:creationId xmlns:p14="http://schemas.microsoft.com/office/powerpoint/2010/main" val="3062690142"/>
       </p:ext>
     </p:extLst>
   </p:cSld>
@@ -11688,7 +11776,7 @@
           <p:nvPr/>
         </p:nvPicPr>
         <p:blipFill>
-          <a:blip r:embed="rId2">
+          <a:blip r:embed="rId3">
             <a:extLst>
               <a:ext uri="{28A0092B-C50C-407E-A947-70E740481C1C}">
                 <a14:useLocalDpi xmlns:a14="http://schemas.microsoft.com/office/drawing/2010/main" val="0"/>
@@ -11709,6 +11797,1176 @@
           </a:prstGeom>
         </p:spPr>
       </p:pic>
+      <p:sp>
+        <p:nvSpPr>
+          <p:cNvPr id="28" name="Oval 27"/>
+          <p:cNvSpPr/>
+          <p:nvPr/>
+        </p:nvSpPr>
+        <p:spPr>
+          <a:xfrm>
+            <a:off x="3996260" y="5070942"/>
+            <a:ext cx="74083" cy="75594"/>
+          </a:xfrm>
+          <a:prstGeom prst="ellipse">
+            <a:avLst/>
+          </a:prstGeom>
+          <a:solidFill>
+            <a:srgbClr val="FF0000"/>
+          </a:solidFill>
+          <a:ln>
+            <a:noFill/>
+          </a:ln>
+          <a:effectLst/>
+        </p:spPr>
+        <p:style>
+          <a:lnRef idx="1">
+            <a:schemeClr val="accent1"/>
+          </a:lnRef>
+          <a:fillRef idx="3">
+            <a:schemeClr val="accent1"/>
+          </a:fillRef>
+          <a:effectRef idx="2">
+            <a:schemeClr val="accent1"/>
+          </a:effectRef>
+          <a:fontRef idx="minor">
+            <a:schemeClr val="lt1"/>
+          </a:fontRef>
+        </p:style>
+        <p:txBody>
+          <a:bodyPr rtlCol="0" anchor="ctr"/>
+          <a:lstStyle/>
+          <a:p>
+            <a:pPr algn="ctr"/>
+            <a:endParaRPr lang="en-US"/>
+          </a:p>
+        </p:txBody>
+      </p:sp>
+      <p:sp>
+        <p:nvSpPr>
+          <p:cNvPr id="29" name="Oval 28"/>
+          <p:cNvSpPr/>
+          <p:nvPr/>
+        </p:nvSpPr>
+        <p:spPr>
+          <a:xfrm>
+            <a:off x="3996260" y="5147748"/>
+            <a:ext cx="74083" cy="75594"/>
+          </a:xfrm>
+          <a:prstGeom prst="ellipse">
+            <a:avLst/>
+          </a:prstGeom>
+          <a:solidFill>
+            <a:srgbClr val="FF0000"/>
+          </a:solidFill>
+          <a:ln>
+            <a:noFill/>
+          </a:ln>
+          <a:effectLst/>
+        </p:spPr>
+        <p:style>
+          <a:lnRef idx="1">
+            <a:schemeClr val="accent1"/>
+          </a:lnRef>
+          <a:fillRef idx="3">
+            <a:schemeClr val="accent1"/>
+          </a:fillRef>
+          <a:effectRef idx="2">
+            <a:schemeClr val="accent1"/>
+          </a:effectRef>
+          <a:fontRef idx="minor">
+            <a:schemeClr val="lt1"/>
+          </a:fontRef>
+        </p:style>
+        <p:txBody>
+          <a:bodyPr rtlCol="0" anchor="ctr"/>
+          <a:lstStyle/>
+          <a:p>
+            <a:pPr algn="ctr"/>
+            <a:endParaRPr lang="en-US"/>
+          </a:p>
+        </p:txBody>
+      </p:sp>
+      <p:sp>
+        <p:nvSpPr>
+          <p:cNvPr id="30" name="Oval 29"/>
+          <p:cNvSpPr/>
+          <p:nvPr/>
+        </p:nvSpPr>
+        <p:spPr>
+          <a:xfrm>
+            <a:off x="3996260" y="5223342"/>
+            <a:ext cx="74083" cy="75594"/>
+          </a:xfrm>
+          <a:prstGeom prst="ellipse">
+            <a:avLst/>
+          </a:prstGeom>
+          <a:solidFill>
+            <a:srgbClr val="FF0000"/>
+          </a:solidFill>
+          <a:ln>
+            <a:noFill/>
+          </a:ln>
+          <a:effectLst/>
+        </p:spPr>
+        <p:style>
+          <a:lnRef idx="1">
+            <a:schemeClr val="accent1"/>
+          </a:lnRef>
+          <a:fillRef idx="3">
+            <a:schemeClr val="accent1"/>
+          </a:fillRef>
+          <a:effectRef idx="2">
+            <a:schemeClr val="accent1"/>
+          </a:effectRef>
+          <a:fontRef idx="minor">
+            <a:schemeClr val="lt1"/>
+          </a:fontRef>
+        </p:style>
+        <p:txBody>
+          <a:bodyPr rtlCol="0" anchor="ctr"/>
+          <a:lstStyle/>
+          <a:p>
+            <a:pPr algn="ctr"/>
+            <a:endParaRPr lang="en-US"/>
+          </a:p>
+        </p:txBody>
+      </p:sp>
+      <p:sp>
+        <p:nvSpPr>
+          <p:cNvPr id="31" name="Oval 30"/>
+          <p:cNvSpPr/>
+          <p:nvPr/>
+        </p:nvSpPr>
+        <p:spPr>
+          <a:xfrm>
+            <a:off x="3996260" y="5300148"/>
+            <a:ext cx="74083" cy="75594"/>
+          </a:xfrm>
+          <a:prstGeom prst="ellipse">
+            <a:avLst/>
+          </a:prstGeom>
+          <a:solidFill>
+            <a:srgbClr val="FF0000"/>
+          </a:solidFill>
+          <a:ln>
+            <a:noFill/>
+          </a:ln>
+          <a:effectLst/>
+        </p:spPr>
+        <p:style>
+          <a:lnRef idx="1">
+            <a:schemeClr val="accent1"/>
+          </a:lnRef>
+          <a:fillRef idx="3">
+            <a:schemeClr val="accent1"/>
+          </a:fillRef>
+          <a:effectRef idx="2">
+            <a:schemeClr val="accent1"/>
+          </a:effectRef>
+          <a:fontRef idx="minor">
+            <a:schemeClr val="lt1"/>
+          </a:fontRef>
+        </p:style>
+        <p:txBody>
+          <a:bodyPr rtlCol="0" anchor="ctr"/>
+          <a:lstStyle/>
+          <a:p>
+            <a:pPr algn="ctr"/>
+            <a:endParaRPr lang="en-US"/>
+          </a:p>
+        </p:txBody>
+      </p:sp>
+      <p:sp>
+        <p:nvSpPr>
+          <p:cNvPr id="32" name="Oval 31"/>
+          <p:cNvSpPr/>
+          <p:nvPr/>
+        </p:nvSpPr>
+        <p:spPr>
+          <a:xfrm>
+            <a:off x="3996260" y="5375742"/>
+            <a:ext cx="74083" cy="75594"/>
+          </a:xfrm>
+          <a:prstGeom prst="ellipse">
+            <a:avLst/>
+          </a:prstGeom>
+          <a:solidFill>
+            <a:srgbClr val="FF0000"/>
+          </a:solidFill>
+          <a:ln>
+            <a:noFill/>
+          </a:ln>
+          <a:effectLst/>
+        </p:spPr>
+        <p:style>
+          <a:lnRef idx="1">
+            <a:schemeClr val="accent1"/>
+          </a:lnRef>
+          <a:fillRef idx="3">
+            <a:schemeClr val="accent1"/>
+          </a:fillRef>
+          <a:effectRef idx="2">
+            <a:schemeClr val="accent1"/>
+          </a:effectRef>
+          <a:fontRef idx="minor">
+            <a:schemeClr val="lt1"/>
+          </a:fontRef>
+        </p:style>
+        <p:txBody>
+          <a:bodyPr rtlCol="0" anchor="ctr"/>
+          <a:lstStyle/>
+          <a:p>
+            <a:pPr algn="ctr"/>
+            <a:endParaRPr lang="en-US"/>
+          </a:p>
+        </p:txBody>
+      </p:sp>
+      <p:sp>
+        <p:nvSpPr>
+          <p:cNvPr id="33" name="Oval 32"/>
+          <p:cNvSpPr/>
+          <p:nvPr/>
+        </p:nvSpPr>
+        <p:spPr>
+          <a:xfrm>
+            <a:off x="3996260" y="5452548"/>
+            <a:ext cx="74083" cy="75594"/>
+          </a:xfrm>
+          <a:prstGeom prst="ellipse">
+            <a:avLst/>
+          </a:prstGeom>
+          <a:solidFill>
+            <a:srgbClr val="FF0000"/>
+          </a:solidFill>
+          <a:ln>
+            <a:noFill/>
+          </a:ln>
+          <a:effectLst/>
+        </p:spPr>
+        <p:style>
+          <a:lnRef idx="1">
+            <a:schemeClr val="accent1"/>
+          </a:lnRef>
+          <a:fillRef idx="3">
+            <a:schemeClr val="accent1"/>
+          </a:fillRef>
+          <a:effectRef idx="2">
+            <a:schemeClr val="accent1"/>
+          </a:effectRef>
+          <a:fontRef idx="minor">
+            <a:schemeClr val="lt1"/>
+          </a:fontRef>
+        </p:style>
+        <p:txBody>
+          <a:bodyPr rtlCol="0" anchor="ctr"/>
+          <a:lstStyle/>
+          <a:p>
+            <a:pPr algn="ctr"/>
+            <a:endParaRPr lang="en-US"/>
+          </a:p>
+        </p:txBody>
+      </p:sp>
+      <p:sp>
+        <p:nvSpPr>
+          <p:cNvPr id="34" name="Oval 33"/>
+          <p:cNvSpPr/>
+          <p:nvPr/>
+        </p:nvSpPr>
+        <p:spPr>
+          <a:xfrm>
+            <a:off x="3996260" y="5528142"/>
+            <a:ext cx="74083" cy="75594"/>
+          </a:xfrm>
+          <a:prstGeom prst="ellipse">
+            <a:avLst/>
+          </a:prstGeom>
+          <a:solidFill>
+            <a:srgbClr val="FF0000"/>
+          </a:solidFill>
+          <a:ln>
+            <a:noFill/>
+          </a:ln>
+          <a:effectLst/>
+        </p:spPr>
+        <p:style>
+          <a:lnRef idx="1">
+            <a:schemeClr val="accent1"/>
+          </a:lnRef>
+          <a:fillRef idx="3">
+            <a:schemeClr val="accent1"/>
+          </a:fillRef>
+          <a:effectRef idx="2">
+            <a:schemeClr val="accent1"/>
+          </a:effectRef>
+          <a:fontRef idx="minor">
+            <a:schemeClr val="lt1"/>
+          </a:fontRef>
+        </p:style>
+        <p:txBody>
+          <a:bodyPr rtlCol="0" anchor="ctr"/>
+          <a:lstStyle/>
+          <a:p>
+            <a:pPr algn="ctr"/>
+            <a:endParaRPr lang="en-US"/>
+          </a:p>
+        </p:txBody>
+      </p:sp>
+      <p:sp>
+        <p:nvSpPr>
+          <p:cNvPr id="35" name="Oval 34"/>
+          <p:cNvSpPr/>
+          <p:nvPr/>
+        </p:nvSpPr>
+        <p:spPr>
+          <a:xfrm>
+            <a:off x="3996260" y="5604948"/>
+            <a:ext cx="74083" cy="75594"/>
+          </a:xfrm>
+          <a:prstGeom prst="ellipse">
+            <a:avLst/>
+          </a:prstGeom>
+          <a:solidFill>
+            <a:srgbClr val="FF0000"/>
+          </a:solidFill>
+          <a:ln>
+            <a:noFill/>
+          </a:ln>
+          <a:effectLst/>
+        </p:spPr>
+        <p:style>
+          <a:lnRef idx="1">
+            <a:schemeClr val="accent1"/>
+          </a:lnRef>
+          <a:fillRef idx="3">
+            <a:schemeClr val="accent1"/>
+          </a:fillRef>
+          <a:effectRef idx="2">
+            <a:schemeClr val="accent1"/>
+          </a:effectRef>
+          <a:fontRef idx="minor">
+            <a:schemeClr val="lt1"/>
+          </a:fontRef>
+        </p:style>
+        <p:txBody>
+          <a:bodyPr rtlCol="0" anchor="ctr"/>
+          <a:lstStyle/>
+          <a:p>
+            <a:pPr algn="ctr"/>
+            <a:endParaRPr lang="en-US"/>
+          </a:p>
+        </p:txBody>
+      </p:sp>
+      <p:sp>
+        <p:nvSpPr>
+          <p:cNvPr id="36" name="Oval 35"/>
+          <p:cNvSpPr/>
+          <p:nvPr/>
+        </p:nvSpPr>
+        <p:spPr>
+          <a:xfrm>
+            <a:off x="3996260" y="5680542"/>
+            <a:ext cx="74083" cy="75594"/>
+          </a:xfrm>
+          <a:prstGeom prst="ellipse">
+            <a:avLst/>
+          </a:prstGeom>
+          <a:solidFill>
+            <a:srgbClr val="FF0000"/>
+          </a:solidFill>
+          <a:ln>
+            <a:noFill/>
+          </a:ln>
+          <a:effectLst/>
+        </p:spPr>
+        <p:style>
+          <a:lnRef idx="1">
+            <a:schemeClr val="accent1"/>
+          </a:lnRef>
+          <a:fillRef idx="3">
+            <a:schemeClr val="accent1"/>
+          </a:fillRef>
+          <a:effectRef idx="2">
+            <a:schemeClr val="accent1"/>
+          </a:effectRef>
+          <a:fontRef idx="minor">
+            <a:schemeClr val="lt1"/>
+          </a:fontRef>
+        </p:style>
+        <p:txBody>
+          <a:bodyPr rtlCol="0" anchor="ctr"/>
+          <a:lstStyle/>
+          <a:p>
+            <a:pPr algn="ctr"/>
+            <a:endParaRPr lang="en-US"/>
+          </a:p>
+        </p:txBody>
+      </p:sp>
+      <p:sp>
+        <p:nvSpPr>
+          <p:cNvPr id="37" name="Oval 36"/>
+          <p:cNvSpPr/>
+          <p:nvPr/>
+        </p:nvSpPr>
+        <p:spPr>
+          <a:xfrm>
+            <a:off x="3996260" y="5757348"/>
+            <a:ext cx="74083" cy="75594"/>
+          </a:xfrm>
+          <a:prstGeom prst="ellipse">
+            <a:avLst/>
+          </a:prstGeom>
+          <a:solidFill>
+            <a:srgbClr val="FF0000"/>
+          </a:solidFill>
+          <a:ln>
+            <a:noFill/>
+          </a:ln>
+          <a:effectLst/>
+        </p:spPr>
+        <p:style>
+          <a:lnRef idx="1">
+            <a:schemeClr val="accent1"/>
+          </a:lnRef>
+          <a:fillRef idx="3">
+            <a:schemeClr val="accent1"/>
+          </a:fillRef>
+          <a:effectRef idx="2">
+            <a:schemeClr val="accent1"/>
+          </a:effectRef>
+          <a:fontRef idx="minor">
+            <a:schemeClr val="lt1"/>
+          </a:fontRef>
+        </p:style>
+        <p:txBody>
+          <a:bodyPr rtlCol="0" anchor="ctr"/>
+          <a:lstStyle/>
+          <a:p>
+            <a:pPr algn="ctr"/>
+            <a:endParaRPr lang="en-US"/>
+          </a:p>
+        </p:txBody>
+      </p:sp>
+      <p:sp>
+        <p:nvSpPr>
+          <p:cNvPr id="38" name="Oval 37"/>
+          <p:cNvSpPr/>
+          <p:nvPr/>
+        </p:nvSpPr>
+        <p:spPr>
+          <a:xfrm>
+            <a:off x="4074577" y="5756136"/>
+            <a:ext cx="74083" cy="75594"/>
+          </a:xfrm>
+          <a:prstGeom prst="ellipse">
+            <a:avLst/>
+          </a:prstGeom>
+          <a:solidFill>
+            <a:srgbClr val="FF0000"/>
+          </a:solidFill>
+          <a:ln>
+            <a:noFill/>
+          </a:ln>
+          <a:effectLst/>
+        </p:spPr>
+        <p:style>
+          <a:lnRef idx="1">
+            <a:schemeClr val="accent1"/>
+          </a:lnRef>
+          <a:fillRef idx="3">
+            <a:schemeClr val="accent1"/>
+          </a:fillRef>
+          <a:effectRef idx="2">
+            <a:schemeClr val="accent1"/>
+          </a:effectRef>
+          <a:fontRef idx="minor">
+            <a:schemeClr val="lt1"/>
+          </a:fontRef>
+        </p:style>
+        <p:txBody>
+          <a:bodyPr rtlCol="0" anchor="ctr"/>
+          <a:lstStyle/>
+          <a:p>
+            <a:pPr algn="ctr"/>
+            <a:endParaRPr lang="en-US"/>
+          </a:p>
+        </p:txBody>
+      </p:sp>
+      <p:sp>
+        <p:nvSpPr>
+          <p:cNvPr id="39" name="Oval 38"/>
+          <p:cNvSpPr/>
+          <p:nvPr/>
+        </p:nvSpPr>
+        <p:spPr>
+          <a:xfrm>
+            <a:off x="4148660" y="5757348"/>
+            <a:ext cx="74083" cy="75594"/>
+          </a:xfrm>
+          <a:prstGeom prst="ellipse">
+            <a:avLst/>
+          </a:prstGeom>
+          <a:solidFill>
+            <a:srgbClr val="FF0000"/>
+          </a:solidFill>
+          <a:ln>
+            <a:noFill/>
+          </a:ln>
+          <a:effectLst/>
+        </p:spPr>
+        <p:style>
+          <a:lnRef idx="1">
+            <a:schemeClr val="accent1"/>
+          </a:lnRef>
+          <a:fillRef idx="3">
+            <a:schemeClr val="accent1"/>
+          </a:fillRef>
+          <a:effectRef idx="2">
+            <a:schemeClr val="accent1"/>
+          </a:effectRef>
+          <a:fontRef idx="minor">
+            <a:schemeClr val="lt1"/>
+          </a:fontRef>
+        </p:style>
+        <p:txBody>
+          <a:bodyPr rtlCol="0" anchor="ctr"/>
+          <a:lstStyle/>
+          <a:p>
+            <a:pPr algn="ctr"/>
+            <a:endParaRPr lang="en-US"/>
+          </a:p>
+        </p:txBody>
+      </p:sp>
+      <p:sp>
+        <p:nvSpPr>
+          <p:cNvPr id="40" name="Oval 39"/>
+          <p:cNvSpPr/>
+          <p:nvPr/>
+        </p:nvSpPr>
+        <p:spPr>
+          <a:xfrm>
+            <a:off x="4226977" y="5756136"/>
+            <a:ext cx="74083" cy="75594"/>
+          </a:xfrm>
+          <a:prstGeom prst="ellipse">
+            <a:avLst/>
+          </a:prstGeom>
+          <a:solidFill>
+            <a:srgbClr val="FF0000"/>
+          </a:solidFill>
+          <a:ln>
+            <a:noFill/>
+          </a:ln>
+          <a:effectLst/>
+        </p:spPr>
+        <p:style>
+          <a:lnRef idx="1">
+            <a:schemeClr val="accent1"/>
+          </a:lnRef>
+          <a:fillRef idx="3">
+            <a:schemeClr val="accent1"/>
+          </a:fillRef>
+          <a:effectRef idx="2">
+            <a:schemeClr val="accent1"/>
+          </a:effectRef>
+          <a:fontRef idx="minor">
+            <a:schemeClr val="lt1"/>
+          </a:fontRef>
+        </p:style>
+        <p:txBody>
+          <a:bodyPr rtlCol="0" anchor="ctr"/>
+          <a:lstStyle/>
+          <a:p>
+            <a:pPr algn="ctr"/>
+            <a:endParaRPr lang="en-US"/>
+          </a:p>
+        </p:txBody>
+      </p:sp>
+      <p:sp>
+        <p:nvSpPr>
+          <p:cNvPr id="41" name="Oval 40"/>
+          <p:cNvSpPr/>
+          <p:nvPr/>
+        </p:nvSpPr>
+        <p:spPr>
+          <a:xfrm>
+            <a:off x="4301060" y="5758560"/>
+            <a:ext cx="74083" cy="75594"/>
+          </a:xfrm>
+          <a:prstGeom prst="ellipse">
+            <a:avLst/>
+          </a:prstGeom>
+          <a:solidFill>
+            <a:srgbClr val="FF0000"/>
+          </a:solidFill>
+          <a:ln>
+            <a:noFill/>
+          </a:ln>
+          <a:effectLst/>
+        </p:spPr>
+        <p:style>
+          <a:lnRef idx="1">
+            <a:schemeClr val="accent1"/>
+          </a:lnRef>
+          <a:fillRef idx="3">
+            <a:schemeClr val="accent1"/>
+          </a:fillRef>
+          <a:effectRef idx="2">
+            <a:schemeClr val="accent1"/>
+          </a:effectRef>
+          <a:fontRef idx="minor">
+            <a:schemeClr val="lt1"/>
+          </a:fontRef>
+        </p:style>
+        <p:txBody>
+          <a:bodyPr rtlCol="0" anchor="ctr"/>
+          <a:lstStyle/>
+          <a:p>
+            <a:pPr algn="ctr"/>
+            <a:endParaRPr lang="en-US"/>
+          </a:p>
+        </p:txBody>
+      </p:sp>
+      <p:sp>
+        <p:nvSpPr>
+          <p:cNvPr id="42" name="Oval 41"/>
+          <p:cNvSpPr/>
+          <p:nvPr/>
+        </p:nvSpPr>
+        <p:spPr>
+          <a:xfrm>
+            <a:off x="4379377" y="5757348"/>
+            <a:ext cx="74083" cy="75594"/>
+          </a:xfrm>
+          <a:prstGeom prst="ellipse">
+            <a:avLst/>
+          </a:prstGeom>
+          <a:solidFill>
+            <a:srgbClr val="FF0000"/>
+          </a:solidFill>
+          <a:ln>
+            <a:noFill/>
+          </a:ln>
+          <a:effectLst/>
+        </p:spPr>
+        <p:style>
+          <a:lnRef idx="1">
+            <a:schemeClr val="accent1"/>
+          </a:lnRef>
+          <a:fillRef idx="3">
+            <a:schemeClr val="accent1"/>
+          </a:fillRef>
+          <a:effectRef idx="2">
+            <a:schemeClr val="accent1"/>
+          </a:effectRef>
+          <a:fontRef idx="minor">
+            <a:schemeClr val="lt1"/>
+          </a:fontRef>
+        </p:style>
+        <p:txBody>
+          <a:bodyPr rtlCol="0" anchor="ctr"/>
+          <a:lstStyle/>
+          <a:p>
+            <a:pPr algn="ctr"/>
+            <a:endParaRPr lang="en-US"/>
+          </a:p>
+        </p:txBody>
+      </p:sp>
+      <p:sp>
+        <p:nvSpPr>
+          <p:cNvPr id="43" name="Oval 42"/>
+          <p:cNvSpPr/>
+          <p:nvPr/>
+        </p:nvSpPr>
+        <p:spPr>
+          <a:xfrm>
+            <a:off x="4453460" y="5758560"/>
+            <a:ext cx="74083" cy="75594"/>
+          </a:xfrm>
+          <a:prstGeom prst="ellipse">
+            <a:avLst/>
+          </a:prstGeom>
+          <a:solidFill>
+            <a:srgbClr val="FF0000"/>
+          </a:solidFill>
+          <a:ln>
+            <a:noFill/>
+          </a:ln>
+          <a:effectLst/>
+        </p:spPr>
+        <p:style>
+          <a:lnRef idx="1">
+            <a:schemeClr val="accent1"/>
+          </a:lnRef>
+          <a:fillRef idx="3">
+            <a:schemeClr val="accent1"/>
+          </a:fillRef>
+          <a:effectRef idx="2">
+            <a:schemeClr val="accent1"/>
+          </a:effectRef>
+          <a:fontRef idx="minor">
+            <a:schemeClr val="lt1"/>
+          </a:fontRef>
+        </p:style>
+        <p:txBody>
+          <a:bodyPr rtlCol="0" anchor="ctr"/>
+          <a:lstStyle/>
+          <a:p>
+            <a:pPr algn="ctr"/>
+            <a:endParaRPr lang="en-US"/>
+          </a:p>
+        </p:txBody>
+      </p:sp>
+      <p:sp>
+        <p:nvSpPr>
+          <p:cNvPr id="44" name="Oval 43"/>
+          <p:cNvSpPr/>
+          <p:nvPr/>
+        </p:nvSpPr>
+        <p:spPr>
+          <a:xfrm>
+            <a:off x="4531777" y="5757348"/>
+            <a:ext cx="74083" cy="75594"/>
+          </a:xfrm>
+          <a:prstGeom prst="ellipse">
+            <a:avLst/>
+          </a:prstGeom>
+          <a:solidFill>
+            <a:srgbClr val="FF0000"/>
+          </a:solidFill>
+          <a:ln>
+            <a:noFill/>
+          </a:ln>
+          <a:effectLst/>
+        </p:spPr>
+        <p:style>
+          <a:lnRef idx="1">
+            <a:schemeClr val="accent1"/>
+          </a:lnRef>
+          <a:fillRef idx="3">
+            <a:schemeClr val="accent1"/>
+          </a:fillRef>
+          <a:effectRef idx="2">
+            <a:schemeClr val="accent1"/>
+          </a:effectRef>
+          <a:fontRef idx="minor">
+            <a:schemeClr val="lt1"/>
+          </a:fontRef>
+        </p:style>
+        <p:txBody>
+          <a:bodyPr rtlCol="0" anchor="ctr"/>
+          <a:lstStyle/>
+          <a:p>
+            <a:pPr algn="ctr"/>
+            <a:endParaRPr lang="en-US"/>
+          </a:p>
+        </p:txBody>
+      </p:sp>
+      <p:sp>
+        <p:nvSpPr>
+          <p:cNvPr id="45" name="Oval 44"/>
+          <p:cNvSpPr/>
+          <p:nvPr/>
+        </p:nvSpPr>
+        <p:spPr>
+          <a:xfrm>
+            <a:off x="4605860" y="5759772"/>
+            <a:ext cx="74083" cy="75594"/>
+          </a:xfrm>
+          <a:prstGeom prst="ellipse">
+            <a:avLst/>
+          </a:prstGeom>
+          <a:solidFill>
+            <a:srgbClr val="FF0000"/>
+          </a:solidFill>
+          <a:ln>
+            <a:noFill/>
+          </a:ln>
+          <a:effectLst/>
+        </p:spPr>
+        <p:style>
+          <a:lnRef idx="1">
+            <a:schemeClr val="accent1"/>
+          </a:lnRef>
+          <a:fillRef idx="3">
+            <a:schemeClr val="accent1"/>
+          </a:fillRef>
+          <a:effectRef idx="2">
+            <a:schemeClr val="accent1"/>
+          </a:effectRef>
+          <a:fontRef idx="minor">
+            <a:schemeClr val="lt1"/>
+          </a:fontRef>
+        </p:style>
+        <p:txBody>
+          <a:bodyPr rtlCol="0" anchor="ctr"/>
+          <a:lstStyle/>
+          <a:p>
+            <a:pPr algn="ctr"/>
+            <a:endParaRPr lang="en-US"/>
+          </a:p>
+        </p:txBody>
+      </p:sp>
+      <p:sp>
+        <p:nvSpPr>
+          <p:cNvPr id="46" name="Oval 45"/>
+          <p:cNvSpPr/>
+          <p:nvPr/>
+        </p:nvSpPr>
+        <p:spPr>
+          <a:xfrm>
+            <a:off x="4684177" y="5758560"/>
+            <a:ext cx="74083" cy="75594"/>
+          </a:xfrm>
+          <a:prstGeom prst="ellipse">
+            <a:avLst/>
+          </a:prstGeom>
+          <a:solidFill>
+            <a:srgbClr val="FF0000"/>
+          </a:solidFill>
+          <a:ln>
+            <a:noFill/>
+          </a:ln>
+          <a:effectLst/>
+        </p:spPr>
+        <p:style>
+          <a:lnRef idx="1">
+            <a:schemeClr val="accent1"/>
+          </a:lnRef>
+          <a:fillRef idx="3">
+            <a:schemeClr val="accent1"/>
+          </a:fillRef>
+          <a:effectRef idx="2">
+            <a:schemeClr val="accent1"/>
+          </a:effectRef>
+          <a:fontRef idx="minor">
+            <a:schemeClr val="lt1"/>
+          </a:fontRef>
+        </p:style>
+        <p:txBody>
+          <a:bodyPr rtlCol="0" anchor="ctr"/>
+          <a:lstStyle/>
+          <a:p>
+            <a:pPr algn="ctr"/>
+            <a:endParaRPr lang="en-US"/>
+          </a:p>
+        </p:txBody>
+      </p:sp>
+      <p:sp>
+        <p:nvSpPr>
+          <p:cNvPr id="47" name="Oval 46"/>
+          <p:cNvSpPr/>
+          <p:nvPr/>
+        </p:nvSpPr>
+        <p:spPr>
+          <a:xfrm>
+            <a:off x="4758260" y="5759772"/>
+            <a:ext cx="74083" cy="75594"/>
+          </a:xfrm>
+          <a:prstGeom prst="ellipse">
+            <a:avLst/>
+          </a:prstGeom>
+          <a:solidFill>
+            <a:srgbClr val="FF0000"/>
+          </a:solidFill>
+          <a:ln>
+            <a:noFill/>
+          </a:ln>
+          <a:effectLst/>
+        </p:spPr>
+        <p:style>
+          <a:lnRef idx="1">
+            <a:schemeClr val="accent1"/>
+          </a:lnRef>
+          <a:fillRef idx="3">
+            <a:schemeClr val="accent1"/>
+          </a:fillRef>
+          <a:effectRef idx="2">
+            <a:schemeClr val="accent1"/>
+          </a:effectRef>
+          <a:fontRef idx="minor">
+            <a:schemeClr val="lt1"/>
+          </a:fontRef>
+        </p:style>
+        <p:txBody>
+          <a:bodyPr rtlCol="0" anchor="ctr"/>
+          <a:lstStyle/>
+          <a:p>
+            <a:pPr algn="ctr"/>
+            <a:endParaRPr lang="en-US"/>
+          </a:p>
+        </p:txBody>
+      </p:sp>
+      <p:sp>
+        <p:nvSpPr>
+          <p:cNvPr id="48" name="Oval 47"/>
+          <p:cNvSpPr/>
+          <p:nvPr/>
+        </p:nvSpPr>
+        <p:spPr>
+          <a:xfrm>
+            <a:off x="3922177" y="5070942"/>
+            <a:ext cx="74083" cy="75594"/>
+          </a:xfrm>
+          <a:prstGeom prst="ellipse">
+            <a:avLst/>
+          </a:prstGeom>
+          <a:solidFill>
+            <a:srgbClr val="FF0000"/>
+          </a:solidFill>
+          <a:ln>
+            <a:noFill/>
+          </a:ln>
+          <a:effectLst/>
+        </p:spPr>
+        <p:style>
+          <a:lnRef idx="1">
+            <a:schemeClr val="accent1"/>
+          </a:lnRef>
+          <a:fillRef idx="3">
+            <a:schemeClr val="accent1"/>
+          </a:fillRef>
+          <a:effectRef idx="2">
+            <a:schemeClr val="accent1"/>
+          </a:effectRef>
+          <a:fontRef idx="minor">
+            <a:schemeClr val="lt1"/>
+          </a:fontRef>
+        </p:style>
+        <p:txBody>
+          <a:bodyPr rtlCol="0" anchor="ctr"/>
+          <a:lstStyle/>
+          <a:p>
+            <a:pPr algn="ctr"/>
+            <a:endParaRPr lang="en-US"/>
+          </a:p>
+        </p:txBody>
+      </p:sp>
+      <p:sp>
+        <p:nvSpPr>
+          <p:cNvPr id="49" name="Oval 48"/>
+          <p:cNvSpPr/>
+          <p:nvPr/>
+        </p:nvSpPr>
+        <p:spPr>
+          <a:xfrm>
+            <a:off x="3848094" y="5072154"/>
+            <a:ext cx="74083" cy="75594"/>
+          </a:xfrm>
+          <a:prstGeom prst="ellipse">
+            <a:avLst/>
+          </a:prstGeom>
+          <a:solidFill>
+            <a:srgbClr val="FF0000"/>
+          </a:solidFill>
+          <a:ln>
+            <a:noFill/>
+          </a:ln>
+          <a:effectLst/>
+        </p:spPr>
+        <p:style>
+          <a:lnRef idx="1">
+            <a:schemeClr val="accent1"/>
+          </a:lnRef>
+          <a:fillRef idx="3">
+            <a:schemeClr val="accent1"/>
+          </a:fillRef>
+          <a:effectRef idx="2">
+            <a:schemeClr val="accent1"/>
+          </a:effectRef>
+          <a:fontRef idx="minor">
+            <a:schemeClr val="lt1"/>
+          </a:fontRef>
+        </p:style>
+        <p:txBody>
+          <a:bodyPr rtlCol="0" anchor="ctr"/>
+          <a:lstStyle/>
+          <a:p>
+            <a:pPr algn="ctr"/>
+            <a:endParaRPr lang="en-US"/>
+          </a:p>
+        </p:txBody>
+      </p:sp>
+      <p:sp>
+        <p:nvSpPr>
+          <p:cNvPr id="50" name="Oval 49"/>
+          <p:cNvSpPr/>
+          <p:nvPr/>
+        </p:nvSpPr>
+        <p:spPr>
+          <a:xfrm>
+            <a:off x="4758260" y="5684178"/>
+            <a:ext cx="74083" cy="75594"/>
+          </a:xfrm>
+          <a:prstGeom prst="ellipse">
+            <a:avLst/>
+          </a:prstGeom>
+          <a:solidFill>
+            <a:srgbClr val="FF0000"/>
+          </a:solidFill>
+          <a:ln>
+            <a:noFill/>
+          </a:ln>
+          <a:effectLst/>
+        </p:spPr>
+        <p:style>
+          <a:lnRef idx="1">
+            <a:schemeClr val="accent1"/>
+          </a:lnRef>
+          <a:fillRef idx="3">
+            <a:schemeClr val="accent1"/>
+          </a:fillRef>
+          <a:effectRef idx="2">
+            <a:schemeClr val="accent1"/>
+          </a:effectRef>
+          <a:fontRef idx="minor">
+            <a:schemeClr val="lt1"/>
+          </a:fontRef>
+        </p:style>
+        <p:txBody>
+          <a:bodyPr rtlCol="0" anchor="ctr"/>
+          <a:lstStyle/>
+          <a:p>
+            <a:pPr algn="ctr"/>
+            <a:endParaRPr lang="en-US"/>
+          </a:p>
+        </p:txBody>
+      </p:sp>
+      <p:sp>
+        <p:nvSpPr>
+          <p:cNvPr id="51" name="Oval 50"/>
+          <p:cNvSpPr/>
+          <p:nvPr/>
+        </p:nvSpPr>
+        <p:spPr>
+          <a:xfrm>
+            <a:off x="4758260" y="5603736"/>
+            <a:ext cx="74083" cy="75594"/>
+          </a:xfrm>
+          <a:prstGeom prst="ellipse">
+            <a:avLst/>
+          </a:prstGeom>
+          <a:solidFill>
+            <a:srgbClr val="FF0000"/>
+          </a:solidFill>
+          <a:ln>
+            <a:noFill/>
+          </a:ln>
+          <a:effectLst/>
+        </p:spPr>
+        <p:style>
+          <a:lnRef idx="1">
+            <a:schemeClr val="accent1"/>
+          </a:lnRef>
+          <a:fillRef idx="3">
+            <a:schemeClr val="accent1"/>
+          </a:fillRef>
+          <a:effectRef idx="2">
+            <a:schemeClr val="accent1"/>
+          </a:effectRef>
+          <a:fontRef idx="minor">
+            <a:schemeClr val="lt1"/>
+          </a:fontRef>
+        </p:style>
+        <p:txBody>
+          <a:bodyPr rtlCol="0" anchor="ctr"/>
+          <a:lstStyle/>
+          <a:p>
+            <a:pPr algn="ctr"/>
+            <a:endParaRPr lang="en-US"/>
+          </a:p>
+        </p:txBody>
+      </p:sp>
+      <p:sp>
+        <p:nvSpPr>
+          <p:cNvPr id="52" name="Oval 51"/>
+          <p:cNvSpPr/>
+          <p:nvPr/>
+        </p:nvSpPr>
+        <p:spPr>
+          <a:xfrm>
+            <a:off x="4758260" y="5529354"/>
+            <a:ext cx="74083" cy="75594"/>
+          </a:xfrm>
+          <a:prstGeom prst="ellipse">
+            <a:avLst/>
+          </a:prstGeom>
+          <a:solidFill>
+            <a:srgbClr val="FF0000"/>
+          </a:solidFill>
+          <a:ln>
+            <a:noFill/>
+          </a:ln>
+          <a:effectLst/>
+        </p:spPr>
+        <p:style>
+          <a:lnRef idx="1">
+            <a:schemeClr val="accent1"/>
+          </a:lnRef>
+          <a:fillRef idx="3">
+            <a:schemeClr val="accent1"/>
+          </a:fillRef>
+          <a:effectRef idx="2">
+            <a:schemeClr val="accent1"/>
+          </a:effectRef>
+          <a:fontRef idx="minor">
+            <a:schemeClr val="lt1"/>
+          </a:fontRef>
+        </p:style>
+        <p:txBody>
+          <a:bodyPr rtlCol="0" anchor="ctr"/>
+          <a:lstStyle/>
+          <a:p>
+            <a:pPr algn="ctr"/>
+            <a:endParaRPr lang="en-US"/>
+          </a:p>
+        </p:txBody>
+      </p:sp>
+      <p:sp>
+        <p:nvSpPr>
+          <p:cNvPr id="53" name="Oval 52"/>
+          <p:cNvSpPr/>
+          <p:nvPr/>
+        </p:nvSpPr>
+        <p:spPr>
+          <a:xfrm>
+            <a:off x="4758260" y="5453760"/>
+            <a:ext cx="74083" cy="75594"/>
+          </a:xfrm>
+          <a:prstGeom prst="ellipse">
+            <a:avLst/>
+          </a:prstGeom>
+          <a:solidFill>
+            <a:srgbClr val="FF0000"/>
+          </a:solidFill>
+          <a:ln>
+            <a:noFill/>
+          </a:ln>
+          <a:effectLst/>
+        </p:spPr>
+        <p:style>
+          <a:lnRef idx="1">
+            <a:schemeClr val="accent1"/>
+          </a:lnRef>
+          <a:fillRef idx="3">
+            <a:schemeClr val="accent1"/>
+          </a:fillRef>
+          <a:effectRef idx="2">
+            <a:schemeClr val="accent1"/>
+          </a:effectRef>
+          <a:fontRef idx="minor">
+            <a:schemeClr val="lt1"/>
+          </a:fontRef>
+        </p:style>
+        <p:txBody>
+          <a:bodyPr rtlCol="0" anchor="ctr"/>
+          <a:lstStyle/>
+          <a:p>
+            <a:pPr algn="ctr"/>
+            <a:endParaRPr lang="en-US"/>
+          </a:p>
+        </p:txBody>
+      </p:sp>
     </p:spTree>
     <p:extLst>
       <p:ext uri="{BB962C8B-B14F-4D97-AF65-F5344CB8AC3E}">

--- a/app/data/map/Maps.pptx
+++ b/app/data/map/Maps.pptx
@@ -197,7 +197,7 @@
           <a:p>
             <a:fld id="{0309924C-CD19-A047-830F-17A1EAA49580}" type="datetimeFigureOut">
               <a:rPr lang="en-US" smtClean="0"/>
-              <a:t>10/23/18</a:t>
+              <a:t>10/24/18</a:t>
             </a:fld>
             <a:endParaRPr lang="en-US"/>
           </a:p>
@@ -1190,7 +1190,7 @@
           <a:p>
             <a:fld id="{D058F9EE-1AF1-7644-BE25-6EBEEE1EC67D}" type="datetimeFigureOut">
               <a:rPr lang="en-US" smtClean="0"/>
-              <a:t>10/23/18</a:t>
+              <a:t>10/24/18</a:t>
             </a:fld>
             <a:endParaRPr lang="en-US"/>
           </a:p>
@@ -1360,7 +1360,7 @@
           <a:p>
             <a:fld id="{D058F9EE-1AF1-7644-BE25-6EBEEE1EC67D}" type="datetimeFigureOut">
               <a:rPr lang="en-US" smtClean="0"/>
-              <a:t>10/23/18</a:t>
+              <a:t>10/24/18</a:t>
             </a:fld>
             <a:endParaRPr lang="en-US"/>
           </a:p>
@@ -1540,7 +1540,7 @@
           <a:p>
             <a:fld id="{D058F9EE-1AF1-7644-BE25-6EBEEE1EC67D}" type="datetimeFigureOut">
               <a:rPr lang="en-US" smtClean="0"/>
-              <a:t>10/23/18</a:t>
+              <a:t>10/24/18</a:t>
             </a:fld>
             <a:endParaRPr lang="en-US"/>
           </a:p>
@@ -1710,7 +1710,7 @@
           <a:p>
             <a:fld id="{D058F9EE-1AF1-7644-BE25-6EBEEE1EC67D}" type="datetimeFigureOut">
               <a:rPr lang="en-US" smtClean="0"/>
-              <a:t>10/23/18</a:t>
+              <a:t>10/24/18</a:t>
             </a:fld>
             <a:endParaRPr lang="en-US"/>
           </a:p>
@@ -1956,7 +1956,7 @@
           <a:p>
             <a:fld id="{D058F9EE-1AF1-7644-BE25-6EBEEE1EC67D}" type="datetimeFigureOut">
               <a:rPr lang="en-US" smtClean="0"/>
-              <a:t>10/23/18</a:t>
+              <a:t>10/24/18</a:t>
             </a:fld>
             <a:endParaRPr lang="en-US"/>
           </a:p>
@@ -2244,7 +2244,7 @@
           <a:p>
             <a:fld id="{D058F9EE-1AF1-7644-BE25-6EBEEE1EC67D}" type="datetimeFigureOut">
               <a:rPr lang="en-US" smtClean="0"/>
-              <a:t>10/23/18</a:t>
+              <a:t>10/24/18</a:t>
             </a:fld>
             <a:endParaRPr lang="en-US"/>
           </a:p>
@@ -2666,7 +2666,7 @@
           <a:p>
             <a:fld id="{D058F9EE-1AF1-7644-BE25-6EBEEE1EC67D}" type="datetimeFigureOut">
               <a:rPr lang="en-US" smtClean="0"/>
-              <a:t>10/23/18</a:t>
+              <a:t>10/24/18</a:t>
             </a:fld>
             <a:endParaRPr lang="en-US"/>
           </a:p>
@@ -2784,7 +2784,7 @@
           <a:p>
             <a:fld id="{D058F9EE-1AF1-7644-BE25-6EBEEE1EC67D}" type="datetimeFigureOut">
               <a:rPr lang="en-US" smtClean="0"/>
-              <a:t>10/23/18</a:t>
+              <a:t>10/24/18</a:t>
             </a:fld>
             <a:endParaRPr lang="en-US"/>
           </a:p>
@@ -2879,7 +2879,7 @@
           <a:p>
             <a:fld id="{D058F9EE-1AF1-7644-BE25-6EBEEE1EC67D}" type="datetimeFigureOut">
               <a:rPr lang="en-US" smtClean="0"/>
-              <a:t>10/23/18</a:t>
+              <a:t>10/24/18</a:t>
             </a:fld>
             <a:endParaRPr lang="en-US"/>
           </a:p>
@@ -3156,7 +3156,7 @@
           <a:p>
             <a:fld id="{D058F9EE-1AF1-7644-BE25-6EBEEE1EC67D}" type="datetimeFigureOut">
               <a:rPr lang="en-US" smtClean="0"/>
-              <a:t>10/23/18</a:t>
+              <a:t>10/24/18</a:t>
             </a:fld>
             <a:endParaRPr lang="en-US"/>
           </a:p>
@@ -3409,7 +3409,7 @@
           <a:p>
             <a:fld id="{D058F9EE-1AF1-7644-BE25-6EBEEE1EC67D}" type="datetimeFigureOut">
               <a:rPr lang="en-US" smtClean="0"/>
-              <a:t>10/23/18</a:t>
+              <a:t>10/24/18</a:t>
             </a:fld>
             <a:endParaRPr lang="en-US"/>
           </a:p>
@@ -3622,7 +3622,7 @@
           <a:p>
             <a:fld id="{D058F9EE-1AF1-7644-BE25-6EBEEE1EC67D}" type="datetimeFigureOut">
               <a:rPr lang="en-US" smtClean="0"/>
-              <a:t>10/23/18</a:t>
+              <a:t>10/24/18</a:t>
             </a:fld>
             <a:endParaRPr lang="en-US"/>
           </a:p>
@@ -4008,6 +4008,15 @@
         <p:blipFill>
           <a:blip r:embed="rId3">
             <a:extLst>
+              <a:ext uri="{BEBA8EAE-BF5A-486C-A8C5-ECC9F3942E4B}">
+                <a14:imgProps xmlns:a14="http://schemas.microsoft.com/office/drawing/2010/main">
+                  <a14:imgLayer r:embed="rId4">
+                    <a14:imgEffect>
+                      <a14:backgroundRemoval t="0" b="97263" l="0" r="100000"/>
+                    </a14:imgEffect>
+                  </a14:imgLayer>
+                </a14:imgProps>
+              </a:ext>
               <a:ext uri="{28A0092B-C50C-407E-A947-70E740481C1C}">
                 <a14:useLocalDpi xmlns:a14="http://schemas.microsoft.com/office/drawing/2010/main" val="0"/>
               </a:ext>
@@ -5364,7 +5373,7 @@
       </p:grpSpPr>
       <p:pic>
         <p:nvPicPr>
-          <p:cNvPr id="7" name="Picture 6" descr="Stadium Map.png"/>
+          <p:cNvPr id="28" name="Picture 27" descr="Stadium Map.png"/>
           <p:cNvPicPr>
             <a:picLocks noChangeAspect="1"/>
           </p:cNvPicPr>
@@ -5373,6 +5382,15 @@
         <p:blipFill>
           <a:blip r:embed="rId3">
             <a:extLst>
+              <a:ext uri="{BEBA8EAE-BF5A-486C-A8C5-ECC9F3942E4B}">
+                <a14:imgProps xmlns:a14="http://schemas.microsoft.com/office/drawing/2010/main">
+                  <a14:imgLayer r:embed="rId4">
+                    <a14:imgEffect>
+                      <a14:backgroundRemoval t="0" b="97263" l="0" r="100000"/>
+                    </a14:imgEffect>
+                  </a14:imgLayer>
+                </a14:imgProps>
+              </a:ext>
               <a:ext uri="{28A0092B-C50C-407E-A947-70E740481C1C}">
                 <a14:useLocalDpi xmlns:a14="http://schemas.microsoft.com/office/drawing/2010/main" val="0"/>
               </a:ext>
@@ -6504,7 +6522,7 @@
       </p:grpSpPr>
       <p:pic>
         <p:nvPicPr>
-          <p:cNvPr id="7" name="Picture 6" descr="Stadium Map.png"/>
+          <p:cNvPr id="58" name="Picture 57" descr="Stadium Map.png"/>
           <p:cNvPicPr>
             <a:picLocks noChangeAspect="1"/>
           </p:cNvPicPr>
@@ -6513,6 +6531,15 @@
         <p:blipFill>
           <a:blip r:embed="rId3">
             <a:extLst>
+              <a:ext uri="{BEBA8EAE-BF5A-486C-A8C5-ECC9F3942E4B}">
+                <a14:imgProps xmlns:a14="http://schemas.microsoft.com/office/drawing/2010/main">
+                  <a14:imgLayer r:embed="rId4">
+                    <a14:imgEffect>
+                      <a14:backgroundRemoval t="0" b="97263" l="0" r="100000"/>
+                    </a14:imgEffect>
+                  </a14:imgLayer>
+                </a14:imgProps>
+              </a:ext>
               <a:ext uri="{28A0092B-C50C-407E-A947-70E740481C1C}">
                 <a14:useLocalDpi xmlns:a14="http://schemas.microsoft.com/office/drawing/2010/main" val="0"/>
               </a:ext>
@@ -8949,7 +8976,7 @@
       </p:grpSpPr>
       <p:pic>
         <p:nvPicPr>
-          <p:cNvPr id="7" name="Picture 6" descr="Stadium Map.png"/>
+          <p:cNvPr id="42" name="Picture 41" descr="Stadium Map.png"/>
           <p:cNvPicPr>
             <a:picLocks noChangeAspect="1"/>
           </p:cNvPicPr>
@@ -8958,6 +8985,15 @@
         <p:blipFill>
           <a:blip r:embed="rId3">
             <a:extLst>
+              <a:ext uri="{BEBA8EAE-BF5A-486C-A8C5-ECC9F3942E4B}">
+                <a14:imgProps xmlns:a14="http://schemas.microsoft.com/office/drawing/2010/main">
+                  <a14:imgLayer r:embed="rId4">
+                    <a14:imgEffect>
+                      <a14:backgroundRemoval t="0" b="97263" l="0" r="100000"/>
+                    </a14:imgEffect>
+                  </a14:imgLayer>
+                </a14:imgProps>
+              </a:ext>
               <a:ext uri="{28A0092B-C50C-407E-A947-70E740481C1C}">
                 <a14:useLocalDpi xmlns:a14="http://schemas.microsoft.com/office/drawing/2010/main" val="0"/>
               </a:ext>
@@ -10764,7 +10800,7 @@
       </p:grpSpPr>
       <p:pic>
         <p:nvPicPr>
-          <p:cNvPr id="7" name="Picture 6" descr="Stadium Map.png"/>
+          <p:cNvPr id="24" name="Picture 23" descr="Stadium Map.png"/>
           <p:cNvPicPr>
             <a:picLocks noChangeAspect="1"/>
           </p:cNvPicPr>
@@ -10773,6 +10809,15 @@
         <p:blipFill>
           <a:blip r:embed="rId3">
             <a:extLst>
+              <a:ext uri="{BEBA8EAE-BF5A-486C-A8C5-ECC9F3942E4B}">
+                <a14:imgProps xmlns:a14="http://schemas.microsoft.com/office/drawing/2010/main">
+                  <a14:imgLayer r:embed="rId4">
+                    <a14:imgEffect>
+                      <a14:backgroundRemoval t="0" b="97263" l="0" r="100000"/>
+                    </a14:imgEffect>
+                  </a14:imgLayer>
+                </a14:imgProps>
+              </a:ext>
               <a:ext uri="{28A0092B-C50C-407E-A947-70E740481C1C}">
                 <a14:useLocalDpi xmlns:a14="http://schemas.microsoft.com/office/drawing/2010/main" val="0"/>
               </a:ext>
@@ -11769,7 +11814,7 @@
       </p:grpSpPr>
       <p:pic>
         <p:nvPicPr>
-          <p:cNvPr id="7" name="Picture 6" descr="Stadium Map.png"/>
+          <p:cNvPr id="54" name="Picture 53" descr="Stadium Map.png"/>
           <p:cNvPicPr>
             <a:picLocks noChangeAspect="1"/>
           </p:cNvPicPr>
@@ -11778,6 +11823,15 @@
         <p:blipFill>
           <a:blip r:embed="rId3">
             <a:extLst>
+              <a:ext uri="{BEBA8EAE-BF5A-486C-A8C5-ECC9F3942E4B}">
+                <a14:imgProps xmlns:a14="http://schemas.microsoft.com/office/drawing/2010/main">
+                  <a14:imgLayer r:embed="rId4">
+                    <a14:imgEffect>
+                      <a14:backgroundRemoval t="0" b="97263" l="0" r="100000"/>
+                    </a14:imgEffect>
+                  </a14:imgLayer>
+                </a14:imgProps>
+              </a:ext>
               <a:ext uri="{28A0092B-C50C-407E-A947-70E740481C1C}">
                 <a14:useLocalDpi xmlns:a14="http://schemas.microsoft.com/office/drawing/2010/main" val="0"/>
               </a:ext>

--- a/app/data/map/Maps.pptx
+++ b/app/data/map/Maps.pptx
@@ -5,7 +5,7 @@
     <p:sldMasterId id="2147483648" r:id="rId1"/>
   </p:sldMasterIdLst>
   <p:notesMasterIdLst>
-    <p:notesMasterId r:id="rId8"/>
+    <p:notesMasterId r:id="rId13"/>
   </p:notesMasterIdLst>
   <p:sldIdLst>
     <p:sldId id="256" r:id="rId2"/>
@@ -14,6 +14,11 @@
     <p:sldId id="259" r:id="rId5"/>
     <p:sldId id="260" r:id="rId6"/>
     <p:sldId id="261" r:id="rId7"/>
+    <p:sldId id="262" r:id="rId8"/>
+    <p:sldId id="263" r:id="rId9"/>
+    <p:sldId id="264" r:id="rId10"/>
+    <p:sldId id="265" r:id="rId11"/>
+    <p:sldId id="266" r:id="rId12"/>
   </p:sldIdLst>
   <p:sldSz cx="9144000" cy="6858000" type="screen4x3"/>
   <p:notesSz cx="6858000" cy="9144000"/>
@@ -197,7 +202,7 @@
           <a:p>
             <a:fld id="{0309924C-CD19-A047-830F-17A1EAA49580}" type="datetimeFigureOut">
               <a:rPr lang="en-US" smtClean="0"/>
-              <a:t>10/24/18</a:t>
+              <a:t>10/25/18</a:t>
             </a:fld>
             <a:endParaRPr lang="en-US"/>
           </a:p>
@@ -561,6 +566,186 @@
 </p:notes>
 </file>
 
+<file path=ppt/notesSlides/notesSlide10.xml><?xml version="1.0" encoding="utf-8"?>
+<p:notes xmlns:a="http://schemas.openxmlformats.org/drawingml/2006/main" xmlns:r="http://schemas.openxmlformats.org/officeDocument/2006/relationships" xmlns:p="http://schemas.openxmlformats.org/presentationml/2006/main">
+  <p:cSld>
+    <p:spTree>
+      <p:nvGrpSpPr>
+        <p:cNvPr id="1" name=""/>
+        <p:cNvGrpSpPr/>
+        <p:nvPr/>
+      </p:nvGrpSpPr>
+      <p:grpSpPr>
+        <a:xfrm>
+          <a:off x="0" y="0"/>
+          <a:ext cx="0" cy="0"/>
+          <a:chOff x="0" y="0"/>
+          <a:chExt cx="0" cy="0"/>
+        </a:xfrm>
+      </p:grpSpPr>
+      <p:sp>
+        <p:nvSpPr>
+          <p:cNvPr id="2" name="Slide Image Placeholder 1"/>
+          <p:cNvSpPr>
+            <a:spLocks noGrp="1" noRot="1" noChangeAspect="1"/>
+          </p:cNvSpPr>
+          <p:nvPr>
+            <p:ph type="sldImg"/>
+          </p:nvPr>
+        </p:nvSpPr>
+        <p:spPr/>
+      </p:sp>
+      <p:sp>
+        <p:nvSpPr>
+          <p:cNvPr id="3" name="Notes Placeholder 2"/>
+          <p:cNvSpPr>
+            <a:spLocks noGrp="1"/>
+          </p:cNvSpPr>
+          <p:nvPr>
+            <p:ph type="body" idx="1"/>
+          </p:nvPr>
+        </p:nvSpPr>
+        <p:spPr/>
+        <p:txBody>
+          <a:bodyPr/>
+          <a:lstStyle/>
+          <a:p>
+            <a:r>
+              <a:rPr lang="en-US" dirty="0" smtClean="0"/>
+              <a:t>Twisted</a:t>
+            </a:r>
+            <a:r>
+              <a:rPr lang="en-US" baseline="0" dirty="0" smtClean="0"/>
+              <a:t> Taco</a:t>
+            </a:r>
+            <a:endParaRPr lang="en-US" dirty="0"/>
+          </a:p>
+        </p:txBody>
+      </p:sp>
+      <p:sp>
+        <p:nvSpPr>
+          <p:cNvPr id="4" name="Slide Number Placeholder 3"/>
+          <p:cNvSpPr>
+            <a:spLocks noGrp="1"/>
+          </p:cNvSpPr>
+          <p:nvPr>
+            <p:ph type="sldNum" sz="quarter" idx="10"/>
+          </p:nvPr>
+        </p:nvSpPr>
+        <p:spPr/>
+        <p:txBody>
+          <a:bodyPr/>
+          <a:lstStyle/>
+          <a:p>
+            <a:fld id="{D8B44EB8-2CAF-C34B-BC61-593B836AAB06}" type="slidenum">
+              <a:rPr lang="en-US" smtClean="0"/>
+              <a:t>10</a:t>
+            </a:fld>
+            <a:endParaRPr lang="en-US"/>
+          </a:p>
+        </p:txBody>
+      </p:sp>
+    </p:spTree>
+    <p:extLst>
+      <p:ext uri="{BB962C8B-B14F-4D97-AF65-F5344CB8AC3E}">
+        <p14:creationId xmlns:p14="http://schemas.microsoft.com/office/powerpoint/2010/main" val="3062261499"/>
+      </p:ext>
+    </p:extLst>
+  </p:cSld>
+  <p:clrMapOvr>
+    <a:masterClrMapping/>
+  </p:clrMapOvr>
+</p:notes>
+</file>
+
+<file path=ppt/notesSlides/notesSlide11.xml><?xml version="1.0" encoding="utf-8"?>
+<p:notes xmlns:a="http://schemas.openxmlformats.org/drawingml/2006/main" xmlns:r="http://schemas.openxmlformats.org/officeDocument/2006/relationships" xmlns:p="http://schemas.openxmlformats.org/presentationml/2006/main">
+  <p:cSld>
+    <p:spTree>
+      <p:nvGrpSpPr>
+        <p:cNvPr id="1" name=""/>
+        <p:cNvGrpSpPr/>
+        <p:nvPr/>
+      </p:nvGrpSpPr>
+      <p:grpSpPr>
+        <a:xfrm>
+          <a:off x="0" y="0"/>
+          <a:ext cx="0" cy="0"/>
+          <a:chOff x="0" y="0"/>
+          <a:chExt cx="0" cy="0"/>
+        </a:xfrm>
+      </p:grpSpPr>
+      <p:sp>
+        <p:nvSpPr>
+          <p:cNvPr id="2" name="Slide Image Placeholder 1"/>
+          <p:cNvSpPr>
+            <a:spLocks noGrp="1" noRot="1" noChangeAspect="1"/>
+          </p:cNvSpPr>
+          <p:nvPr>
+            <p:ph type="sldImg"/>
+          </p:nvPr>
+        </p:nvSpPr>
+        <p:spPr/>
+      </p:sp>
+      <p:sp>
+        <p:nvSpPr>
+          <p:cNvPr id="3" name="Notes Placeholder 2"/>
+          <p:cNvSpPr>
+            <a:spLocks noGrp="1"/>
+          </p:cNvSpPr>
+          <p:nvPr>
+            <p:ph type="body" idx="1"/>
+          </p:nvPr>
+        </p:nvSpPr>
+        <p:spPr/>
+        <p:txBody>
+          <a:bodyPr/>
+          <a:lstStyle/>
+          <a:p>
+            <a:r>
+              <a:rPr lang="en-US" dirty="0" smtClean="0"/>
+              <a:t>Blank</a:t>
+            </a:r>
+            <a:endParaRPr lang="en-US" dirty="0"/>
+          </a:p>
+        </p:txBody>
+      </p:sp>
+      <p:sp>
+        <p:nvSpPr>
+          <p:cNvPr id="4" name="Slide Number Placeholder 3"/>
+          <p:cNvSpPr>
+            <a:spLocks noGrp="1"/>
+          </p:cNvSpPr>
+          <p:nvPr>
+            <p:ph type="sldNum" sz="quarter" idx="10"/>
+          </p:nvPr>
+        </p:nvSpPr>
+        <p:spPr/>
+        <p:txBody>
+          <a:bodyPr/>
+          <a:lstStyle/>
+          <a:p>
+            <a:fld id="{D8B44EB8-2CAF-C34B-BC61-593B836AAB06}" type="slidenum">
+              <a:rPr lang="en-US" smtClean="0"/>
+              <a:t>11</a:t>
+            </a:fld>
+            <a:endParaRPr lang="en-US"/>
+          </a:p>
+        </p:txBody>
+      </p:sp>
+    </p:spTree>
+    <p:extLst>
+      <p:ext uri="{BB962C8B-B14F-4D97-AF65-F5344CB8AC3E}">
+        <p14:creationId xmlns:p14="http://schemas.microsoft.com/office/powerpoint/2010/main" val="1410817570"/>
+      </p:ext>
+    </p:extLst>
+  </p:cSld>
+  <p:clrMapOvr>
+    <a:masterClrMapping/>
+  </p:clrMapOvr>
+</p:notes>
+</file>
+
 <file path=ppt/notesSlides/notesSlide2.xml><?xml version="1.0" encoding="utf-8"?>
 <p:notes xmlns:a="http://schemas.openxmlformats.org/drawingml/2006/main" xmlns:r="http://schemas.openxmlformats.org/officeDocument/2006/relationships" xmlns:p="http://schemas.openxmlformats.org/presentationml/2006/main">
   <p:cSld>
@@ -1000,6 +1185,286 @@
     <p:extLst>
       <p:ext uri="{BB962C8B-B14F-4D97-AF65-F5344CB8AC3E}">
         <p14:creationId xmlns:p14="http://schemas.microsoft.com/office/powerpoint/2010/main" val="3062690142"/>
+      </p:ext>
+    </p:extLst>
+  </p:cSld>
+  <p:clrMapOvr>
+    <a:masterClrMapping/>
+  </p:clrMapOvr>
+</p:notes>
+</file>
+
+<file path=ppt/notesSlides/notesSlide7.xml><?xml version="1.0" encoding="utf-8"?>
+<p:notes xmlns:a="http://schemas.openxmlformats.org/drawingml/2006/main" xmlns:r="http://schemas.openxmlformats.org/officeDocument/2006/relationships" xmlns:p="http://schemas.openxmlformats.org/presentationml/2006/main">
+  <p:cSld>
+    <p:spTree>
+      <p:nvGrpSpPr>
+        <p:cNvPr id="1" name=""/>
+        <p:cNvGrpSpPr/>
+        <p:nvPr/>
+      </p:nvGrpSpPr>
+      <p:grpSpPr>
+        <a:xfrm>
+          <a:off x="0" y="0"/>
+          <a:ext cx="0" cy="0"/>
+          <a:chOff x="0" y="0"/>
+          <a:chExt cx="0" cy="0"/>
+        </a:xfrm>
+      </p:grpSpPr>
+      <p:sp>
+        <p:nvSpPr>
+          <p:cNvPr id="2" name="Slide Image Placeholder 1"/>
+          <p:cNvSpPr>
+            <a:spLocks noGrp="1" noRot="1" noChangeAspect="1"/>
+          </p:cNvSpPr>
+          <p:nvPr>
+            <p:ph type="sldImg"/>
+          </p:nvPr>
+        </p:nvSpPr>
+        <p:spPr/>
+      </p:sp>
+      <p:sp>
+        <p:nvSpPr>
+          <p:cNvPr id="3" name="Notes Placeholder 2"/>
+          <p:cNvSpPr>
+            <a:spLocks noGrp="1"/>
+          </p:cNvSpPr>
+          <p:nvPr>
+            <p:ph type="body" idx="1"/>
+          </p:nvPr>
+        </p:nvSpPr>
+        <p:spPr/>
+        <p:txBody>
+          <a:bodyPr/>
+          <a:lstStyle/>
+          <a:p>
+            <a:r>
+              <a:rPr lang="en-US" dirty="0" smtClean="0"/>
+              <a:t>Section 108</a:t>
+            </a:r>
+            <a:endParaRPr lang="en-US" dirty="0"/>
+          </a:p>
+        </p:txBody>
+      </p:sp>
+      <p:sp>
+        <p:nvSpPr>
+          <p:cNvPr id="4" name="Slide Number Placeholder 3"/>
+          <p:cNvSpPr>
+            <a:spLocks noGrp="1"/>
+          </p:cNvSpPr>
+          <p:nvPr>
+            <p:ph type="sldNum" sz="quarter" idx="10"/>
+          </p:nvPr>
+        </p:nvSpPr>
+        <p:spPr/>
+        <p:txBody>
+          <a:bodyPr/>
+          <a:lstStyle/>
+          <a:p>
+            <a:fld id="{D8B44EB8-2CAF-C34B-BC61-593B836AAB06}" type="slidenum">
+              <a:rPr lang="en-US" smtClean="0"/>
+              <a:t>7</a:t>
+            </a:fld>
+            <a:endParaRPr lang="en-US"/>
+          </a:p>
+        </p:txBody>
+      </p:sp>
+    </p:spTree>
+    <p:extLst>
+      <p:ext uri="{BB962C8B-B14F-4D97-AF65-F5344CB8AC3E}">
+        <p14:creationId xmlns:p14="http://schemas.microsoft.com/office/powerpoint/2010/main" val="4289149127"/>
+      </p:ext>
+    </p:extLst>
+  </p:cSld>
+  <p:clrMapOvr>
+    <a:masterClrMapping/>
+  </p:clrMapOvr>
+</p:notes>
+</file>
+
+<file path=ppt/notesSlides/notesSlide8.xml><?xml version="1.0" encoding="utf-8"?>
+<p:notes xmlns:a="http://schemas.openxmlformats.org/drawingml/2006/main" xmlns:r="http://schemas.openxmlformats.org/officeDocument/2006/relationships" xmlns:p="http://schemas.openxmlformats.org/presentationml/2006/main">
+  <p:cSld>
+    <p:spTree>
+      <p:nvGrpSpPr>
+        <p:cNvPr id="1" name=""/>
+        <p:cNvGrpSpPr/>
+        <p:nvPr/>
+      </p:nvGrpSpPr>
+      <p:grpSpPr>
+        <a:xfrm>
+          <a:off x="0" y="0"/>
+          <a:ext cx="0" cy="0"/>
+          <a:chOff x="0" y="0"/>
+          <a:chExt cx="0" cy="0"/>
+        </a:xfrm>
+      </p:grpSpPr>
+      <p:sp>
+        <p:nvSpPr>
+          <p:cNvPr id="2" name="Slide Image Placeholder 1"/>
+          <p:cNvSpPr>
+            <a:spLocks noGrp="1" noRot="1" noChangeAspect="1"/>
+          </p:cNvSpPr>
+          <p:nvPr>
+            <p:ph type="sldImg"/>
+          </p:nvPr>
+        </p:nvSpPr>
+        <p:spPr/>
+      </p:sp>
+      <p:sp>
+        <p:nvSpPr>
+          <p:cNvPr id="3" name="Notes Placeholder 2"/>
+          <p:cNvSpPr>
+            <a:spLocks noGrp="1"/>
+          </p:cNvSpPr>
+          <p:nvPr>
+            <p:ph type="body" idx="1"/>
+          </p:nvPr>
+        </p:nvSpPr>
+        <p:spPr/>
+        <p:txBody>
+          <a:bodyPr/>
+          <a:lstStyle/>
+          <a:p>
+            <a:r>
+              <a:rPr lang="en-US" dirty="0" smtClean="0"/>
+              <a:t>Section</a:t>
+            </a:r>
+            <a:r>
+              <a:rPr lang="en-US" baseline="0" dirty="0" smtClean="0"/>
+              <a:t> 223</a:t>
+            </a:r>
+            <a:endParaRPr lang="en-US" dirty="0"/>
+          </a:p>
+        </p:txBody>
+      </p:sp>
+      <p:sp>
+        <p:nvSpPr>
+          <p:cNvPr id="4" name="Slide Number Placeholder 3"/>
+          <p:cNvSpPr>
+            <a:spLocks noGrp="1"/>
+          </p:cNvSpPr>
+          <p:nvPr>
+            <p:ph type="sldNum" sz="quarter" idx="10"/>
+          </p:nvPr>
+        </p:nvSpPr>
+        <p:spPr/>
+        <p:txBody>
+          <a:bodyPr/>
+          <a:lstStyle/>
+          <a:p>
+            <a:fld id="{D8B44EB8-2CAF-C34B-BC61-593B836AAB06}" type="slidenum">
+              <a:rPr lang="en-US" smtClean="0"/>
+              <a:t>8</a:t>
+            </a:fld>
+            <a:endParaRPr lang="en-US"/>
+          </a:p>
+        </p:txBody>
+      </p:sp>
+    </p:spTree>
+    <p:extLst>
+      <p:ext uri="{BB962C8B-B14F-4D97-AF65-F5344CB8AC3E}">
+        <p14:creationId xmlns:p14="http://schemas.microsoft.com/office/powerpoint/2010/main" val="2093364219"/>
+      </p:ext>
+    </p:extLst>
+  </p:cSld>
+  <p:clrMapOvr>
+    <a:masterClrMapping/>
+  </p:clrMapOvr>
+</p:notes>
+</file>
+
+<file path=ppt/notesSlides/notesSlide9.xml><?xml version="1.0" encoding="utf-8"?>
+<p:notes xmlns:a="http://schemas.openxmlformats.org/drawingml/2006/main" xmlns:r="http://schemas.openxmlformats.org/officeDocument/2006/relationships" xmlns:p="http://schemas.openxmlformats.org/presentationml/2006/main">
+  <p:cSld>
+    <p:spTree>
+      <p:nvGrpSpPr>
+        <p:cNvPr id="1" name=""/>
+        <p:cNvGrpSpPr/>
+        <p:nvPr/>
+      </p:nvGrpSpPr>
+      <p:grpSpPr>
+        <a:xfrm>
+          <a:off x="0" y="0"/>
+          <a:ext cx="0" cy="0"/>
+          <a:chOff x="0" y="0"/>
+          <a:chExt cx="0" cy="0"/>
+        </a:xfrm>
+      </p:grpSpPr>
+      <p:sp>
+        <p:nvSpPr>
+          <p:cNvPr id="2" name="Slide Image Placeholder 1"/>
+          <p:cNvSpPr>
+            <a:spLocks noGrp="1" noRot="1" noChangeAspect="1"/>
+          </p:cNvSpPr>
+          <p:nvPr>
+            <p:ph type="sldImg"/>
+          </p:nvPr>
+        </p:nvSpPr>
+        <p:spPr/>
+      </p:sp>
+      <p:sp>
+        <p:nvSpPr>
+          <p:cNvPr id="3" name="Notes Placeholder 2"/>
+          <p:cNvSpPr>
+            <a:spLocks noGrp="1"/>
+          </p:cNvSpPr>
+          <p:nvPr>
+            <p:ph type="body" idx="1"/>
+          </p:nvPr>
+        </p:nvSpPr>
+        <p:spPr/>
+        <p:txBody>
+          <a:bodyPr/>
+          <a:lstStyle/>
+          <a:p>
+            <a:r>
+              <a:rPr lang="en-US" dirty="0" smtClean="0"/>
+              <a:t>Chick</a:t>
+            </a:r>
+            <a:r>
+              <a:rPr lang="en-US" baseline="0" dirty="0" smtClean="0"/>
+              <a:t> </a:t>
+            </a:r>
+            <a:r>
+              <a:rPr lang="en-US" baseline="0" dirty="0" err="1" smtClean="0"/>
+              <a:t>fil</a:t>
+            </a:r>
+            <a:r>
+              <a:rPr lang="en-US" baseline="0" dirty="0" smtClean="0"/>
+              <a:t> A</a:t>
+            </a:r>
+            <a:endParaRPr lang="en-US" dirty="0"/>
+          </a:p>
+        </p:txBody>
+      </p:sp>
+      <p:sp>
+        <p:nvSpPr>
+          <p:cNvPr id="4" name="Slide Number Placeholder 3"/>
+          <p:cNvSpPr>
+            <a:spLocks noGrp="1"/>
+          </p:cNvSpPr>
+          <p:nvPr>
+            <p:ph type="sldNum" sz="quarter" idx="10"/>
+          </p:nvPr>
+        </p:nvSpPr>
+        <p:spPr/>
+        <p:txBody>
+          <a:bodyPr/>
+          <a:lstStyle/>
+          <a:p>
+            <a:fld id="{D8B44EB8-2CAF-C34B-BC61-593B836AAB06}" type="slidenum">
+              <a:rPr lang="en-US" smtClean="0"/>
+              <a:t>9</a:t>
+            </a:fld>
+            <a:endParaRPr lang="en-US"/>
+          </a:p>
+        </p:txBody>
+      </p:sp>
+    </p:spTree>
+    <p:extLst>
+      <p:ext uri="{BB962C8B-B14F-4D97-AF65-F5344CB8AC3E}">
+        <p14:creationId xmlns:p14="http://schemas.microsoft.com/office/powerpoint/2010/main" val="3451471440"/>
       </p:ext>
     </p:extLst>
   </p:cSld>
@@ -1190,7 +1655,7 @@
           <a:p>
             <a:fld id="{D058F9EE-1AF1-7644-BE25-6EBEEE1EC67D}" type="datetimeFigureOut">
               <a:rPr lang="en-US" smtClean="0"/>
-              <a:t>10/24/18</a:t>
+              <a:t>10/25/18</a:t>
             </a:fld>
             <a:endParaRPr lang="en-US"/>
           </a:p>
@@ -1360,7 +1825,7 @@
           <a:p>
             <a:fld id="{D058F9EE-1AF1-7644-BE25-6EBEEE1EC67D}" type="datetimeFigureOut">
               <a:rPr lang="en-US" smtClean="0"/>
-              <a:t>10/24/18</a:t>
+              <a:t>10/25/18</a:t>
             </a:fld>
             <a:endParaRPr lang="en-US"/>
           </a:p>
@@ -1540,7 +2005,7 @@
           <a:p>
             <a:fld id="{D058F9EE-1AF1-7644-BE25-6EBEEE1EC67D}" type="datetimeFigureOut">
               <a:rPr lang="en-US" smtClean="0"/>
-              <a:t>10/24/18</a:t>
+              <a:t>10/25/18</a:t>
             </a:fld>
             <a:endParaRPr lang="en-US"/>
           </a:p>
@@ -1710,7 +2175,7 @@
           <a:p>
             <a:fld id="{D058F9EE-1AF1-7644-BE25-6EBEEE1EC67D}" type="datetimeFigureOut">
               <a:rPr lang="en-US" smtClean="0"/>
-              <a:t>10/24/18</a:t>
+              <a:t>10/25/18</a:t>
             </a:fld>
             <a:endParaRPr lang="en-US"/>
           </a:p>
@@ -1956,7 +2421,7 @@
           <a:p>
             <a:fld id="{D058F9EE-1AF1-7644-BE25-6EBEEE1EC67D}" type="datetimeFigureOut">
               <a:rPr lang="en-US" smtClean="0"/>
-              <a:t>10/24/18</a:t>
+              <a:t>10/25/18</a:t>
             </a:fld>
             <a:endParaRPr lang="en-US"/>
           </a:p>
@@ -2244,7 +2709,7 @@
           <a:p>
             <a:fld id="{D058F9EE-1AF1-7644-BE25-6EBEEE1EC67D}" type="datetimeFigureOut">
               <a:rPr lang="en-US" smtClean="0"/>
-              <a:t>10/24/18</a:t>
+              <a:t>10/25/18</a:t>
             </a:fld>
             <a:endParaRPr lang="en-US"/>
           </a:p>
@@ -2666,7 +3131,7 @@
           <a:p>
             <a:fld id="{D058F9EE-1AF1-7644-BE25-6EBEEE1EC67D}" type="datetimeFigureOut">
               <a:rPr lang="en-US" smtClean="0"/>
-              <a:t>10/24/18</a:t>
+              <a:t>10/25/18</a:t>
             </a:fld>
             <a:endParaRPr lang="en-US"/>
           </a:p>
@@ -2784,7 +3249,7 @@
           <a:p>
             <a:fld id="{D058F9EE-1AF1-7644-BE25-6EBEEE1EC67D}" type="datetimeFigureOut">
               <a:rPr lang="en-US" smtClean="0"/>
-              <a:t>10/24/18</a:t>
+              <a:t>10/25/18</a:t>
             </a:fld>
             <a:endParaRPr lang="en-US"/>
           </a:p>
@@ -2879,7 +3344,7 @@
           <a:p>
             <a:fld id="{D058F9EE-1AF1-7644-BE25-6EBEEE1EC67D}" type="datetimeFigureOut">
               <a:rPr lang="en-US" smtClean="0"/>
-              <a:t>10/24/18</a:t>
+              <a:t>10/25/18</a:t>
             </a:fld>
             <a:endParaRPr lang="en-US"/>
           </a:p>
@@ -3156,7 +3621,7 @@
           <a:p>
             <a:fld id="{D058F9EE-1AF1-7644-BE25-6EBEEE1EC67D}" type="datetimeFigureOut">
               <a:rPr lang="en-US" smtClean="0"/>
-              <a:t>10/24/18</a:t>
+              <a:t>10/25/18</a:t>
             </a:fld>
             <a:endParaRPr lang="en-US"/>
           </a:p>
@@ -3409,7 +3874,7 @@
           <a:p>
             <a:fld id="{D058F9EE-1AF1-7644-BE25-6EBEEE1EC67D}" type="datetimeFigureOut">
               <a:rPr lang="en-US" smtClean="0"/>
-              <a:t>10/24/18</a:t>
+              <a:t>10/25/18</a:t>
             </a:fld>
             <a:endParaRPr lang="en-US"/>
           </a:p>
@@ -3622,7 +4087,7 @@
           <a:p>
             <a:fld id="{D058F9EE-1AF1-7644-BE25-6EBEEE1EC67D}" type="datetimeFigureOut">
               <a:rPr lang="en-US" smtClean="0"/>
-              <a:t>10/24/18</a:t>
+              <a:t>10/25/18</a:t>
             </a:fld>
             <a:endParaRPr lang="en-US"/>
           </a:p>
@@ -5345,6 +5810,210 @@
     <p:extLst>
       <p:ext uri="{BB962C8B-B14F-4D97-AF65-F5344CB8AC3E}">
         <p14:creationId xmlns:p14="http://schemas.microsoft.com/office/powerpoint/2010/main" val="1159081925"/>
+      </p:ext>
+    </p:extLst>
+  </p:cSld>
+  <p:clrMapOvr>
+    <a:masterClrMapping/>
+  </p:clrMapOvr>
+</p:sld>
+</file>
+
+<file path=ppt/slides/slide10.xml><?xml version="1.0" encoding="utf-8"?>
+<p:sld xmlns:a="http://schemas.openxmlformats.org/drawingml/2006/main" xmlns:r="http://schemas.openxmlformats.org/officeDocument/2006/relationships" xmlns:p="http://schemas.openxmlformats.org/presentationml/2006/main">
+  <p:cSld>
+    <p:spTree>
+      <p:nvGrpSpPr>
+        <p:cNvPr id="1" name=""/>
+        <p:cNvGrpSpPr/>
+        <p:nvPr/>
+      </p:nvGrpSpPr>
+      <p:grpSpPr>
+        <a:xfrm>
+          <a:off x="0" y="0"/>
+          <a:ext cx="0" cy="0"/>
+          <a:chOff x="0" y="0"/>
+          <a:chExt cx="0" cy="0"/>
+        </a:xfrm>
+      </p:grpSpPr>
+      <p:pic>
+        <p:nvPicPr>
+          <p:cNvPr id="2" name="Picture 1" descr="Stadium Map.png"/>
+          <p:cNvPicPr>
+            <a:picLocks noChangeAspect="1"/>
+          </p:cNvPicPr>
+          <p:nvPr/>
+        </p:nvPicPr>
+        <p:blipFill>
+          <a:blip r:embed="rId3">
+            <a:extLst>
+              <a:ext uri="{BEBA8EAE-BF5A-486C-A8C5-ECC9F3942E4B}">
+                <a14:imgProps xmlns:a14="http://schemas.microsoft.com/office/drawing/2010/main">
+                  <a14:imgLayer r:embed="rId4">
+                    <a14:imgEffect>
+                      <a14:backgroundRemoval t="0" b="97263" l="0" r="100000"/>
+                    </a14:imgEffect>
+                  </a14:imgLayer>
+                </a14:imgProps>
+              </a:ext>
+              <a:ext uri="{28A0092B-C50C-407E-A947-70E740481C1C}">
+                <a14:useLocalDpi xmlns:a14="http://schemas.microsoft.com/office/drawing/2010/main" val="0"/>
+              </a:ext>
+            </a:extLst>
+          </a:blip>
+          <a:stretch>
+            <a:fillRect/>
+          </a:stretch>
+        </p:blipFill>
+        <p:spPr>
+          <a:xfrm>
+            <a:off x="228600" y="0"/>
+            <a:ext cx="8670929" cy="6858000"/>
+          </a:xfrm>
+          <a:prstGeom prst="rect">
+            <a:avLst/>
+          </a:prstGeom>
+        </p:spPr>
+      </p:pic>
+      <p:pic>
+        <p:nvPicPr>
+          <p:cNvPr id="3" name="Picture 2"/>
+          <p:cNvPicPr>
+            <a:picLocks noChangeAspect="1"/>
+          </p:cNvPicPr>
+          <p:nvPr/>
+        </p:nvPicPr>
+        <p:blipFill>
+          <a:blip r:embed="rId5"/>
+          <a:stretch>
+            <a:fillRect/>
+          </a:stretch>
+        </p:blipFill>
+        <p:spPr>
+          <a:xfrm>
+            <a:off x="4612717" y="5212004"/>
+            <a:ext cx="234826" cy="374964"/>
+          </a:xfrm>
+          <a:prstGeom prst="rect">
+            <a:avLst/>
+          </a:prstGeom>
+        </p:spPr>
+      </p:pic>
+      <p:sp>
+        <p:nvSpPr>
+          <p:cNvPr id="4" name="TextBox 3"/>
+          <p:cNvSpPr txBox="1"/>
+          <p:nvPr/>
+        </p:nvSpPr>
+        <p:spPr>
+          <a:xfrm>
+            <a:off x="4204990" y="4935005"/>
+            <a:ext cx="1041195" cy="276999"/>
+          </a:xfrm>
+          <a:prstGeom prst="rect">
+            <a:avLst/>
+          </a:prstGeom>
+          <a:noFill/>
+        </p:spPr>
+        <p:txBody>
+          <a:bodyPr wrap="none" rtlCol="0">
+            <a:spAutoFit/>
+          </a:bodyPr>
+          <a:lstStyle/>
+          <a:p>
+            <a:r>
+              <a:rPr lang="en-US" sz="1200" b="1" dirty="0" smtClean="0">
+                <a:solidFill>
+                  <a:srgbClr val="FF0000"/>
+                </a:solidFill>
+                <a:latin typeface="Times New Roman"/>
+                <a:cs typeface="Times New Roman"/>
+              </a:rPr>
+              <a:t>Twisted Taco</a:t>
+            </a:r>
+            <a:endParaRPr lang="en-US" sz="1200" b="1" dirty="0">
+              <a:solidFill>
+                <a:srgbClr val="FF0000"/>
+              </a:solidFill>
+              <a:latin typeface="Times New Roman"/>
+              <a:cs typeface="Times New Roman"/>
+            </a:endParaRPr>
+          </a:p>
+        </p:txBody>
+      </p:sp>
+    </p:spTree>
+    <p:extLst>
+      <p:ext uri="{BB962C8B-B14F-4D97-AF65-F5344CB8AC3E}">
+        <p14:creationId xmlns:p14="http://schemas.microsoft.com/office/powerpoint/2010/main" val="1376098626"/>
+      </p:ext>
+    </p:extLst>
+  </p:cSld>
+  <p:clrMapOvr>
+    <a:masterClrMapping/>
+  </p:clrMapOvr>
+</p:sld>
+</file>
+
+<file path=ppt/slides/slide11.xml><?xml version="1.0" encoding="utf-8"?>
+<p:sld xmlns:a="http://schemas.openxmlformats.org/drawingml/2006/main" xmlns:r="http://schemas.openxmlformats.org/officeDocument/2006/relationships" xmlns:p="http://schemas.openxmlformats.org/presentationml/2006/main">
+  <p:cSld>
+    <p:spTree>
+      <p:nvGrpSpPr>
+        <p:cNvPr id="1" name=""/>
+        <p:cNvGrpSpPr/>
+        <p:nvPr/>
+      </p:nvGrpSpPr>
+      <p:grpSpPr>
+        <a:xfrm>
+          <a:off x="0" y="0"/>
+          <a:ext cx="0" cy="0"/>
+          <a:chOff x="0" y="0"/>
+          <a:chExt cx="0" cy="0"/>
+        </a:xfrm>
+      </p:grpSpPr>
+      <p:pic>
+        <p:nvPicPr>
+          <p:cNvPr id="2" name="Picture 1" descr="Stadium Map.png"/>
+          <p:cNvPicPr>
+            <a:picLocks noChangeAspect="1"/>
+          </p:cNvPicPr>
+          <p:nvPr/>
+        </p:nvPicPr>
+        <p:blipFill>
+          <a:blip r:embed="rId3">
+            <a:extLst>
+              <a:ext uri="{BEBA8EAE-BF5A-486C-A8C5-ECC9F3942E4B}">
+                <a14:imgProps xmlns:a14="http://schemas.microsoft.com/office/drawing/2010/main">
+                  <a14:imgLayer r:embed="rId4">
+                    <a14:imgEffect>
+                      <a14:backgroundRemoval t="0" b="97263" l="0" r="100000"/>
+                    </a14:imgEffect>
+                  </a14:imgLayer>
+                </a14:imgProps>
+              </a:ext>
+              <a:ext uri="{28A0092B-C50C-407E-A947-70E740481C1C}">
+                <a14:useLocalDpi xmlns:a14="http://schemas.microsoft.com/office/drawing/2010/main" val="0"/>
+              </a:ext>
+            </a:extLst>
+          </a:blip>
+          <a:stretch>
+            <a:fillRect/>
+          </a:stretch>
+        </p:blipFill>
+        <p:spPr>
+          <a:xfrm>
+            <a:off x="228600" y="0"/>
+            <a:ext cx="8670929" cy="6858000"/>
+          </a:xfrm>
+          <a:prstGeom prst="rect">
+            <a:avLst/>
+          </a:prstGeom>
+        </p:spPr>
+      </p:pic>
+    </p:spTree>
+    <p:extLst>
+      <p:ext uri="{BB962C8B-B14F-4D97-AF65-F5344CB8AC3E}">
+        <p14:creationId xmlns:p14="http://schemas.microsoft.com/office/powerpoint/2010/main" val="1376098626"/>
       </p:ext>
     </p:extLst>
   </p:cSld>
@@ -13025,6 +13694,441 @@
     <p:extLst>
       <p:ext uri="{BB962C8B-B14F-4D97-AF65-F5344CB8AC3E}">
         <p14:creationId xmlns:p14="http://schemas.microsoft.com/office/powerpoint/2010/main" val="656678041"/>
+      </p:ext>
+    </p:extLst>
+  </p:cSld>
+  <p:clrMapOvr>
+    <a:masterClrMapping/>
+  </p:clrMapOvr>
+</p:sld>
+</file>
+
+<file path=ppt/slides/slide7.xml><?xml version="1.0" encoding="utf-8"?>
+<p:sld xmlns:a="http://schemas.openxmlformats.org/drawingml/2006/main" xmlns:r="http://schemas.openxmlformats.org/officeDocument/2006/relationships" xmlns:p="http://schemas.openxmlformats.org/presentationml/2006/main">
+  <p:cSld>
+    <p:spTree>
+      <p:nvGrpSpPr>
+        <p:cNvPr id="1" name=""/>
+        <p:cNvGrpSpPr/>
+        <p:nvPr/>
+      </p:nvGrpSpPr>
+      <p:grpSpPr>
+        <a:xfrm>
+          <a:off x="0" y="0"/>
+          <a:ext cx="0" cy="0"/>
+          <a:chOff x="0" y="0"/>
+          <a:chExt cx="0" cy="0"/>
+        </a:xfrm>
+      </p:grpSpPr>
+      <p:pic>
+        <p:nvPicPr>
+          <p:cNvPr id="2" name="Picture 1" descr="Stadium Map.png"/>
+          <p:cNvPicPr>
+            <a:picLocks noChangeAspect="1"/>
+          </p:cNvPicPr>
+          <p:nvPr/>
+        </p:nvPicPr>
+        <p:blipFill>
+          <a:blip r:embed="rId3">
+            <a:extLst>
+              <a:ext uri="{BEBA8EAE-BF5A-486C-A8C5-ECC9F3942E4B}">
+                <a14:imgProps xmlns:a14="http://schemas.microsoft.com/office/drawing/2010/main">
+                  <a14:imgLayer r:embed="rId4">
+                    <a14:imgEffect>
+                      <a14:backgroundRemoval t="0" b="97263" l="0" r="100000"/>
+                    </a14:imgEffect>
+                  </a14:imgLayer>
+                </a14:imgProps>
+              </a:ext>
+              <a:ext uri="{28A0092B-C50C-407E-A947-70E740481C1C}">
+                <a14:useLocalDpi xmlns:a14="http://schemas.microsoft.com/office/drawing/2010/main" val="0"/>
+              </a:ext>
+            </a:extLst>
+          </a:blip>
+          <a:stretch>
+            <a:fillRect/>
+          </a:stretch>
+        </p:blipFill>
+        <p:spPr>
+          <a:xfrm>
+            <a:off x="228600" y="0"/>
+            <a:ext cx="8670929" cy="6858000"/>
+          </a:xfrm>
+          <a:prstGeom prst="rect">
+            <a:avLst/>
+          </a:prstGeom>
+        </p:spPr>
+      </p:pic>
+      <p:pic>
+        <p:nvPicPr>
+          <p:cNvPr id="4" name="Picture 3"/>
+          <p:cNvPicPr>
+            <a:picLocks noChangeAspect="1"/>
+          </p:cNvPicPr>
+          <p:nvPr/>
+        </p:nvPicPr>
+        <p:blipFill>
+          <a:blip r:embed="rId5"/>
+          <a:stretch>
+            <a:fillRect/>
+          </a:stretch>
+        </p:blipFill>
+        <p:spPr>
+          <a:xfrm>
+            <a:off x="4143418" y="4753432"/>
+            <a:ext cx="234826" cy="374964"/>
+          </a:xfrm>
+          <a:prstGeom prst="rect">
+            <a:avLst/>
+          </a:prstGeom>
+        </p:spPr>
+      </p:pic>
+      <p:sp>
+        <p:nvSpPr>
+          <p:cNvPr id="5" name="TextBox 4"/>
+          <p:cNvSpPr txBox="1"/>
+          <p:nvPr/>
+        </p:nvSpPr>
+        <p:spPr>
+          <a:xfrm>
+            <a:off x="3797438" y="4522599"/>
+            <a:ext cx="932692" cy="276999"/>
+          </a:xfrm>
+          <a:prstGeom prst="rect">
+            <a:avLst/>
+          </a:prstGeom>
+          <a:noFill/>
+        </p:spPr>
+        <p:txBody>
+          <a:bodyPr wrap="none" rtlCol="0">
+            <a:spAutoFit/>
+          </a:bodyPr>
+          <a:lstStyle/>
+          <a:p>
+            <a:r>
+              <a:rPr lang="en-US" sz="1200" b="1" dirty="0" smtClean="0">
+                <a:solidFill>
+                  <a:srgbClr val="FF0000"/>
+                </a:solidFill>
+                <a:latin typeface="Times New Roman"/>
+                <a:cs typeface="Times New Roman"/>
+              </a:rPr>
+              <a:t>Section 108</a:t>
+            </a:r>
+            <a:endParaRPr lang="en-US" sz="1200" b="1" dirty="0">
+              <a:solidFill>
+                <a:srgbClr val="FF0000"/>
+              </a:solidFill>
+              <a:latin typeface="Times New Roman"/>
+              <a:cs typeface="Times New Roman"/>
+            </a:endParaRPr>
+          </a:p>
+        </p:txBody>
+      </p:sp>
+    </p:spTree>
+    <p:extLst>
+      <p:ext uri="{BB962C8B-B14F-4D97-AF65-F5344CB8AC3E}">
+        <p14:creationId xmlns:p14="http://schemas.microsoft.com/office/powerpoint/2010/main" val="140502358"/>
+      </p:ext>
+    </p:extLst>
+  </p:cSld>
+  <p:clrMapOvr>
+    <a:masterClrMapping/>
+  </p:clrMapOvr>
+</p:sld>
+</file>
+
+<file path=ppt/slides/slide8.xml><?xml version="1.0" encoding="utf-8"?>
+<p:sld xmlns:a="http://schemas.openxmlformats.org/drawingml/2006/main" xmlns:r="http://schemas.openxmlformats.org/officeDocument/2006/relationships" xmlns:p="http://schemas.openxmlformats.org/presentationml/2006/main">
+  <p:cSld>
+    <p:spTree>
+      <p:nvGrpSpPr>
+        <p:cNvPr id="1" name=""/>
+        <p:cNvGrpSpPr/>
+        <p:nvPr/>
+      </p:nvGrpSpPr>
+      <p:grpSpPr>
+        <a:xfrm>
+          <a:off x="0" y="0"/>
+          <a:ext cx="0" cy="0"/>
+          <a:chOff x="0" y="0"/>
+          <a:chExt cx="0" cy="0"/>
+        </a:xfrm>
+      </p:grpSpPr>
+      <p:pic>
+        <p:nvPicPr>
+          <p:cNvPr id="2" name="Picture 1" descr="Stadium Map.png"/>
+          <p:cNvPicPr>
+            <a:picLocks noChangeAspect="1"/>
+          </p:cNvPicPr>
+          <p:nvPr/>
+        </p:nvPicPr>
+        <p:blipFill>
+          <a:blip r:embed="rId3">
+            <a:extLst>
+              <a:ext uri="{BEBA8EAE-BF5A-486C-A8C5-ECC9F3942E4B}">
+                <a14:imgProps xmlns:a14="http://schemas.microsoft.com/office/drawing/2010/main">
+                  <a14:imgLayer r:embed="rId4">
+                    <a14:imgEffect>
+                      <a14:backgroundRemoval t="0" b="97263" l="0" r="100000"/>
+                    </a14:imgEffect>
+                  </a14:imgLayer>
+                </a14:imgProps>
+              </a:ext>
+              <a:ext uri="{28A0092B-C50C-407E-A947-70E740481C1C}">
+                <a14:useLocalDpi xmlns:a14="http://schemas.microsoft.com/office/drawing/2010/main" val="0"/>
+              </a:ext>
+            </a:extLst>
+          </a:blip>
+          <a:stretch>
+            <a:fillRect/>
+          </a:stretch>
+        </p:blipFill>
+        <p:spPr>
+          <a:xfrm>
+            <a:off x="228600" y="0"/>
+            <a:ext cx="8670929" cy="6858000"/>
+          </a:xfrm>
+          <a:prstGeom prst="rect">
+            <a:avLst/>
+          </a:prstGeom>
+        </p:spPr>
+      </p:pic>
+      <p:pic>
+        <p:nvPicPr>
+          <p:cNvPr id="3" name="Picture 2"/>
+          <p:cNvPicPr>
+            <a:picLocks noChangeAspect="1"/>
+          </p:cNvPicPr>
+          <p:nvPr/>
+        </p:nvPicPr>
+        <p:blipFill>
+          <a:blip r:embed="rId5"/>
+          <a:stretch>
+            <a:fillRect/>
+          </a:stretch>
+        </p:blipFill>
+        <p:spPr>
+          <a:xfrm>
+            <a:off x="3562612" y="414638"/>
+            <a:ext cx="234826" cy="374964"/>
+          </a:xfrm>
+          <a:prstGeom prst="rect">
+            <a:avLst/>
+          </a:prstGeom>
+        </p:spPr>
+      </p:pic>
+      <p:sp>
+        <p:nvSpPr>
+          <p:cNvPr id="4" name="TextBox 3"/>
+          <p:cNvSpPr txBox="1"/>
+          <p:nvPr/>
+        </p:nvSpPr>
+        <p:spPr>
+          <a:xfrm>
+            <a:off x="3216632" y="780943"/>
+            <a:ext cx="932692" cy="276999"/>
+          </a:xfrm>
+          <a:prstGeom prst="rect">
+            <a:avLst/>
+          </a:prstGeom>
+          <a:noFill/>
+        </p:spPr>
+        <p:txBody>
+          <a:bodyPr wrap="none" rtlCol="0">
+            <a:spAutoFit/>
+          </a:bodyPr>
+          <a:lstStyle/>
+          <a:p>
+            <a:r>
+              <a:rPr lang="en-US" sz="1200" b="1" dirty="0" smtClean="0">
+                <a:solidFill>
+                  <a:srgbClr val="FF0000"/>
+                </a:solidFill>
+                <a:latin typeface="Times New Roman"/>
+                <a:cs typeface="Times New Roman"/>
+              </a:rPr>
+              <a:t>Section 223</a:t>
+            </a:r>
+            <a:endParaRPr lang="en-US" sz="1200" b="1" dirty="0">
+              <a:solidFill>
+                <a:srgbClr val="FF0000"/>
+              </a:solidFill>
+              <a:latin typeface="Times New Roman"/>
+              <a:cs typeface="Times New Roman"/>
+            </a:endParaRPr>
+          </a:p>
+        </p:txBody>
+      </p:sp>
+    </p:spTree>
+    <p:extLst>
+      <p:ext uri="{BB962C8B-B14F-4D97-AF65-F5344CB8AC3E}">
+        <p14:creationId xmlns:p14="http://schemas.microsoft.com/office/powerpoint/2010/main" val="1376098626"/>
+      </p:ext>
+    </p:extLst>
+  </p:cSld>
+  <p:clrMapOvr>
+    <a:masterClrMapping/>
+  </p:clrMapOvr>
+</p:sld>
+</file>
+
+<file path=ppt/slides/slide9.xml><?xml version="1.0" encoding="utf-8"?>
+<p:sld xmlns:a="http://schemas.openxmlformats.org/drawingml/2006/main" xmlns:r="http://schemas.openxmlformats.org/officeDocument/2006/relationships" xmlns:p="http://schemas.openxmlformats.org/presentationml/2006/main">
+  <p:cSld>
+    <p:spTree>
+      <p:nvGrpSpPr>
+        <p:cNvPr id="1" name=""/>
+        <p:cNvGrpSpPr/>
+        <p:nvPr/>
+      </p:nvGrpSpPr>
+      <p:grpSpPr>
+        <a:xfrm>
+          <a:off x="0" y="0"/>
+          <a:ext cx="0" cy="0"/>
+          <a:chOff x="0" y="0"/>
+          <a:chExt cx="0" cy="0"/>
+        </a:xfrm>
+      </p:grpSpPr>
+      <p:pic>
+        <p:nvPicPr>
+          <p:cNvPr id="2" name="Picture 1" descr="Stadium Map.png"/>
+          <p:cNvPicPr>
+            <a:picLocks noChangeAspect="1"/>
+          </p:cNvPicPr>
+          <p:nvPr/>
+        </p:nvPicPr>
+        <p:blipFill>
+          <a:blip r:embed="rId3">
+            <a:extLst>
+              <a:ext uri="{BEBA8EAE-BF5A-486C-A8C5-ECC9F3942E4B}">
+                <a14:imgProps xmlns:a14="http://schemas.microsoft.com/office/drawing/2010/main">
+                  <a14:imgLayer r:embed="rId4">
+                    <a14:imgEffect>
+                      <a14:backgroundRemoval t="0" b="97263" l="0" r="100000"/>
+                    </a14:imgEffect>
+                  </a14:imgLayer>
+                </a14:imgProps>
+              </a:ext>
+              <a:ext uri="{28A0092B-C50C-407E-A947-70E740481C1C}">
+                <a14:useLocalDpi xmlns:a14="http://schemas.microsoft.com/office/drawing/2010/main" val="0"/>
+              </a:ext>
+            </a:extLst>
+          </a:blip>
+          <a:stretch>
+            <a:fillRect/>
+          </a:stretch>
+        </p:blipFill>
+        <p:spPr>
+          <a:xfrm>
+            <a:off x="228600" y="0"/>
+            <a:ext cx="8670929" cy="6858000"/>
+          </a:xfrm>
+          <a:prstGeom prst="rect">
+            <a:avLst/>
+          </a:prstGeom>
+        </p:spPr>
+      </p:pic>
+      <p:pic>
+        <p:nvPicPr>
+          <p:cNvPr id="3" name="Picture 2"/>
+          <p:cNvPicPr>
+            <a:picLocks noChangeAspect="1"/>
+          </p:cNvPicPr>
+          <p:nvPr/>
+        </p:nvPicPr>
+        <p:blipFill>
+          <a:blip r:embed="rId5"/>
+          <a:stretch>
+            <a:fillRect/>
+          </a:stretch>
+        </p:blipFill>
+        <p:spPr>
+          <a:xfrm>
+            <a:off x="1509428" y="3448266"/>
+            <a:ext cx="234826" cy="374964"/>
+          </a:xfrm>
+          <a:prstGeom prst="rect">
+            <a:avLst/>
+          </a:prstGeom>
+        </p:spPr>
+      </p:pic>
+      <p:sp>
+        <p:nvSpPr>
+          <p:cNvPr id="4" name="TextBox 3"/>
+          <p:cNvSpPr txBox="1"/>
+          <p:nvPr/>
+        </p:nvSpPr>
+        <p:spPr>
+          <a:xfrm>
+            <a:off x="1650183" y="3546231"/>
+            <a:ext cx="919918" cy="276999"/>
+          </a:xfrm>
+          <a:prstGeom prst="rect">
+            <a:avLst/>
+          </a:prstGeom>
+          <a:noFill/>
+        </p:spPr>
+        <p:txBody>
+          <a:bodyPr wrap="none" rtlCol="0">
+            <a:spAutoFit/>
+          </a:bodyPr>
+          <a:lstStyle/>
+          <a:p>
+            <a:r>
+              <a:rPr lang="en-US" sz="1200" b="1" dirty="0" smtClean="0">
+                <a:solidFill>
+                  <a:srgbClr val="FF0000"/>
+                </a:solidFill>
+                <a:latin typeface="Times New Roman"/>
+                <a:cs typeface="Times New Roman"/>
+              </a:rPr>
+              <a:t>Chick-</a:t>
+            </a:r>
+            <a:r>
+              <a:rPr lang="en-US" sz="1200" b="1" dirty="0" err="1" smtClean="0">
+                <a:solidFill>
+                  <a:srgbClr val="FF0000"/>
+                </a:solidFill>
+                <a:latin typeface="Times New Roman"/>
+                <a:cs typeface="Times New Roman"/>
+              </a:rPr>
+              <a:t>fil</a:t>
+            </a:r>
+            <a:r>
+              <a:rPr lang="en-US" sz="1200" b="1" dirty="0">
+                <a:solidFill>
+                  <a:srgbClr val="FF0000"/>
+                </a:solidFill>
+                <a:latin typeface="Times New Roman"/>
+                <a:cs typeface="Times New Roman"/>
+              </a:rPr>
+              <a:t>-</a:t>
+            </a:r>
+            <a:r>
+              <a:rPr lang="en-US" sz="1200" b="1" dirty="0" smtClean="0">
+                <a:solidFill>
+                  <a:srgbClr val="FF0000"/>
+                </a:solidFill>
+                <a:latin typeface="Times New Roman"/>
+                <a:cs typeface="Times New Roman"/>
+              </a:rPr>
+              <a:t>A</a:t>
+            </a:r>
+            <a:endParaRPr lang="en-US" sz="1200" b="1" dirty="0">
+              <a:solidFill>
+                <a:srgbClr val="FF0000"/>
+              </a:solidFill>
+              <a:latin typeface="Times New Roman"/>
+              <a:cs typeface="Times New Roman"/>
+            </a:endParaRPr>
+          </a:p>
+        </p:txBody>
+      </p:sp>
+    </p:spTree>
+    <p:extLst>
+      <p:ext uri="{BB962C8B-B14F-4D97-AF65-F5344CB8AC3E}">
+        <p14:creationId xmlns:p14="http://schemas.microsoft.com/office/powerpoint/2010/main" val="1376098626"/>
       </p:ext>
     </p:extLst>
   </p:cSld>
